--- a/分享/ppt/内存管理/PPT/内存管理.pptx
+++ b/分享/ppt/内存管理/PPT/内存管理.pptx
@@ -5,26 +5,27 @@
     <p:sldMasterId id="2147483648" r:id="rId1"/>
   </p:sldMasterIdLst>
   <p:notesMasterIdLst>
-    <p:notesMasterId r:id="rId19"/>
+    <p:notesMasterId r:id="rId20"/>
   </p:notesMasterIdLst>
   <p:sldIdLst>
     <p:sldId id="256" r:id="rId2"/>
     <p:sldId id="267" r:id="rId3"/>
-    <p:sldId id="257" r:id="rId4"/>
-    <p:sldId id="266" r:id="rId5"/>
-    <p:sldId id="259" r:id="rId6"/>
-    <p:sldId id="261" r:id="rId7"/>
-    <p:sldId id="268" r:id="rId8"/>
-    <p:sldId id="270" r:id="rId9"/>
-    <p:sldId id="269" r:id="rId10"/>
-    <p:sldId id="271" r:id="rId11"/>
-    <p:sldId id="272" r:id="rId12"/>
-    <p:sldId id="273" r:id="rId13"/>
-    <p:sldId id="274" r:id="rId14"/>
-    <p:sldId id="276" r:id="rId15"/>
-    <p:sldId id="275" r:id="rId16"/>
-    <p:sldId id="263" r:id="rId17"/>
-    <p:sldId id="264" r:id="rId18"/>
+    <p:sldId id="266" r:id="rId4"/>
+    <p:sldId id="278" r:id="rId5"/>
+    <p:sldId id="279" r:id="rId6"/>
+    <p:sldId id="280" r:id="rId7"/>
+    <p:sldId id="276" r:id="rId8"/>
+    <p:sldId id="261" r:id="rId9"/>
+    <p:sldId id="268" r:id="rId10"/>
+    <p:sldId id="270" r:id="rId11"/>
+    <p:sldId id="269" r:id="rId12"/>
+    <p:sldId id="271" r:id="rId13"/>
+    <p:sldId id="272" r:id="rId14"/>
+    <p:sldId id="273" r:id="rId15"/>
+    <p:sldId id="274" r:id="rId16"/>
+    <p:sldId id="275" r:id="rId17"/>
+    <p:sldId id="263" r:id="rId18"/>
+    <p:sldId id="264" r:id="rId19"/>
   </p:sldIdLst>
   <p:sldSz cx="9144000" cy="6858000" type="screen4x3"/>
   <p:notesSz cx="6858000" cy="9144000"/>
@@ -208,7 +209,7 @@
           <a:p>
             <a:fld id="{ABBB3349-D38D-4231-9F19-2B1609F89A66}" type="datetimeFigureOut">
               <a:rPr lang="zh-CN" altLang="en-US" smtClean="0"/>
-              <a:t>2017/5/25</a:t>
+              <a:t>2017/5/30</a:t>
             </a:fld>
             <a:endParaRPr lang="zh-CN" altLang="en-US"/>
           </a:p>
@@ -526,37 +527,262 @@
             </a:r>
             <a:r>
               <a:rPr lang="zh-CN" altLang="en-US" dirty="0" smtClean="0"/>
-              <a:t>、程序代码：基本没有办法管理，从一开始一直存在到最后。减少使用的库可以减少这块的内存占用。</a:t>
-            </a:r>
-            <a:endParaRPr lang="en-US" altLang="zh-CN" dirty="0" smtClean="0"/>
-          </a:p>
-          <a:p>
-            <a:r>
-              <a:rPr lang="en-US" altLang="zh-CN" dirty="0" smtClean="0"/>
+              <a:t>、程序代码：</a:t>
+            </a:r>
+            <a:r>
+              <a:rPr lang="en-US" altLang="zh-CN" sz="1200" b="0" i="0" kern="1200" dirty="0" smtClean="0">
+                <a:solidFill>
+                  <a:schemeClr val="tx1"/>
+                </a:solidFill>
+                <a:effectLst/>
+                <a:latin typeface="+mn-lt"/>
+                <a:ea typeface="+mn-ea"/>
+                <a:cs typeface="+mn-cs"/>
+              </a:rPr>
+              <a:t>Unity</a:t>
+            </a:r>
+            <a:r>
+              <a:rPr lang="zh-CN" altLang="en-US" sz="1200" b="0" i="0" kern="1200" dirty="0" smtClean="0">
+                <a:solidFill>
+                  <a:schemeClr val="tx1"/>
+                </a:solidFill>
+                <a:effectLst/>
+                <a:latin typeface="+mn-lt"/>
+                <a:ea typeface="+mn-ea"/>
+                <a:cs typeface="+mn-cs"/>
+              </a:rPr>
+              <a:t>引擎，使用的库，以及你所写的所有的游戏代码。在编译后，得到的运行文件将会被加载到设备中执行，并占用一定内存。这部分内存实际上是没有办法去“管理”的，它们将在内存中从一开始到最后一直存在。一个空的</a:t>
+            </a:r>
+            <a:r>
+              <a:rPr lang="en-US" altLang="zh-CN" sz="1200" b="0" i="0" kern="1200" dirty="0" smtClean="0">
+                <a:solidFill>
+                  <a:schemeClr val="tx1"/>
+                </a:solidFill>
+                <a:effectLst/>
+                <a:latin typeface="+mn-lt"/>
+                <a:ea typeface="+mn-ea"/>
+                <a:cs typeface="+mn-cs"/>
+              </a:rPr>
+              <a:t>Unity</a:t>
+            </a:r>
+            <a:r>
+              <a:rPr lang="zh-CN" altLang="en-US" sz="1200" b="0" i="0" kern="1200" dirty="0" smtClean="0">
+                <a:solidFill>
+                  <a:schemeClr val="tx1"/>
+                </a:solidFill>
+                <a:effectLst/>
+                <a:latin typeface="+mn-lt"/>
+                <a:ea typeface="+mn-ea"/>
+                <a:cs typeface="+mn-cs"/>
+              </a:rPr>
+              <a:t>默认场景，什么代码都不放，在</a:t>
+            </a:r>
+            <a:r>
+              <a:rPr lang="en-US" altLang="zh-CN" sz="1200" b="0" i="0" kern="1200" dirty="0" err="1" smtClean="0">
+                <a:solidFill>
+                  <a:schemeClr val="tx1"/>
+                </a:solidFill>
+                <a:effectLst/>
+                <a:latin typeface="+mn-lt"/>
+                <a:ea typeface="+mn-ea"/>
+                <a:cs typeface="+mn-cs"/>
+              </a:rPr>
+              <a:t>iOS</a:t>
+            </a:r>
+            <a:r>
+              <a:rPr lang="zh-CN" altLang="en-US" sz="1200" b="0" i="0" kern="1200" dirty="0" smtClean="0">
+                <a:solidFill>
+                  <a:schemeClr val="tx1"/>
+                </a:solidFill>
+                <a:effectLst/>
+                <a:latin typeface="+mn-lt"/>
+                <a:ea typeface="+mn-ea"/>
+                <a:cs typeface="+mn-cs"/>
+              </a:rPr>
+              <a:t>设备上占用内存应该在</a:t>
+            </a:r>
+            <a:r>
+              <a:rPr lang="en-US" altLang="zh-CN" sz="1200" b="0" i="0" kern="1200" dirty="0" smtClean="0">
+                <a:solidFill>
+                  <a:schemeClr val="tx1"/>
+                </a:solidFill>
+                <a:effectLst/>
+                <a:latin typeface="+mn-lt"/>
+                <a:ea typeface="+mn-ea"/>
+                <a:cs typeface="+mn-cs"/>
+              </a:rPr>
+              <a:t>17MB</a:t>
+            </a:r>
+            <a:r>
+              <a:rPr lang="zh-CN" altLang="en-US" sz="1200" b="0" i="0" kern="1200" dirty="0" smtClean="0">
+                <a:solidFill>
+                  <a:schemeClr val="tx1"/>
+                </a:solidFill>
+                <a:effectLst/>
+                <a:latin typeface="+mn-lt"/>
+                <a:ea typeface="+mn-ea"/>
+                <a:cs typeface="+mn-cs"/>
+              </a:rPr>
+              <a:t>左右，而加上一些自己的代码很容易就飙到</a:t>
+            </a:r>
+            <a:r>
+              <a:rPr lang="en-US" altLang="zh-CN" sz="1200" b="0" i="0" kern="1200" dirty="0" smtClean="0">
+                <a:solidFill>
+                  <a:schemeClr val="tx1"/>
+                </a:solidFill>
+                <a:effectLst/>
+                <a:latin typeface="+mn-lt"/>
+                <a:ea typeface="+mn-ea"/>
+                <a:cs typeface="+mn-cs"/>
+              </a:rPr>
+              <a:t>20MB</a:t>
+            </a:r>
+            <a:r>
+              <a:rPr lang="zh-CN" altLang="en-US" sz="1200" b="0" i="0" kern="1200" dirty="0" smtClean="0">
+                <a:solidFill>
+                  <a:schemeClr val="tx1"/>
+                </a:solidFill>
+                <a:effectLst/>
+                <a:latin typeface="+mn-lt"/>
+                <a:ea typeface="+mn-ea"/>
+                <a:cs typeface="+mn-cs"/>
+              </a:rPr>
+              <a:t>左右。（其实这里也是一个看一研究的点，</a:t>
+            </a:r>
+            <a:r>
+              <a:rPr lang="en-US" altLang="zh-CN" sz="1200" b="0" i="0" kern="1200" dirty="0" smtClean="0">
+                <a:solidFill>
+                  <a:schemeClr val="tx1"/>
+                </a:solidFill>
+                <a:effectLst/>
+                <a:latin typeface="+mn-lt"/>
+                <a:ea typeface="+mn-ea"/>
+                <a:cs typeface="+mn-cs"/>
+              </a:rPr>
+              <a:t>unity</a:t>
+            </a:r>
+            <a:r>
+              <a:rPr lang="zh-CN" altLang="en-US" sz="1200" b="0" i="0" kern="1200" dirty="0" smtClean="0">
+                <a:solidFill>
+                  <a:schemeClr val="tx1"/>
+                </a:solidFill>
+                <a:effectLst/>
+                <a:latin typeface="+mn-lt"/>
+                <a:ea typeface="+mn-ea"/>
+                <a:cs typeface="+mn-cs"/>
+              </a:rPr>
+              <a:t>编译和打包过程具体发生了啥、为什么</a:t>
+            </a:r>
+            <a:r>
+              <a:rPr lang="en-US" altLang="zh-CN" sz="1200" b="0" i="0" kern="1200" dirty="0" smtClean="0">
+                <a:solidFill>
+                  <a:schemeClr val="tx1"/>
+                </a:solidFill>
+                <a:effectLst/>
+                <a:latin typeface="+mn-lt"/>
+                <a:ea typeface="+mn-ea"/>
+                <a:cs typeface="+mn-cs"/>
+              </a:rPr>
+              <a:t>unity</a:t>
+            </a:r>
+            <a:r>
+              <a:rPr lang="zh-CN" altLang="en-US" sz="1200" b="0" i="0" kern="1200" dirty="0" smtClean="0">
+                <a:solidFill>
+                  <a:schemeClr val="tx1"/>
+                </a:solidFill>
+                <a:effectLst/>
+                <a:latin typeface="+mn-lt"/>
+                <a:ea typeface="+mn-ea"/>
+                <a:cs typeface="+mn-cs"/>
+              </a:rPr>
+              <a:t>可以跨平台）</a:t>
+            </a:r>
+            <a:endParaRPr lang="en-US" altLang="zh-CN" sz="1200" b="0" i="0" kern="1200" dirty="0" smtClean="0">
+              <a:solidFill>
+                <a:schemeClr val="tx1"/>
+              </a:solidFill>
+              <a:effectLst/>
+              <a:latin typeface="+mn-lt"/>
+              <a:ea typeface="+mn-ea"/>
+              <a:cs typeface="+mn-cs"/>
+            </a:endParaRPr>
+          </a:p>
+          <a:p>
+            <a:r>
+              <a:rPr lang="en-US" altLang="zh-CN" sz="1200" b="0" i="0" kern="1200" dirty="0" smtClean="0">
+                <a:solidFill>
+                  <a:schemeClr val="tx1"/>
+                </a:solidFill>
+                <a:effectLst/>
+                <a:latin typeface="+mn-lt"/>
+                <a:ea typeface="+mn-ea"/>
+                <a:cs typeface="+mn-cs"/>
+              </a:rPr>
               <a:t>2</a:t>
             </a:r>
             <a:r>
-              <a:rPr lang="zh-CN" altLang="en-US" dirty="0" smtClean="0"/>
+              <a:rPr lang="zh-CN" altLang="en-US" sz="1200" b="0" i="0" kern="1200" dirty="0" smtClean="0">
+                <a:solidFill>
+                  <a:schemeClr val="tx1"/>
+                </a:solidFill>
+                <a:effectLst/>
+                <a:latin typeface="+mn-lt"/>
+                <a:ea typeface="+mn-ea"/>
+                <a:cs typeface="+mn-cs"/>
+              </a:rPr>
               <a:t>、</a:t>
             </a:r>
             <a:r>
-              <a:rPr lang="en-US" altLang="zh-CN" dirty="0" err="1" smtClean="0"/>
+              <a:rPr lang="en-US" altLang="zh-CN" sz="1200" b="0" i="0" u="none" strike="noStrike" kern="1200" dirty="0" smtClean="0">
+                <a:solidFill>
+                  <a:schemeClr val="tx1"/>
+                </a:solidFill>
+                <a:effectLst/>
+                <a:latin typeface="+mn-lt"/>
+                <a:ea typeface="+mn-ea"/>
+                <a:cs typeface="+mn-cs"/>
+                <a:hlinkClick r:id="rId3"/>
+              </a:rPr>
+              <a:t>Mono</a:t>
+            </a:r>
+            <a:r>
+              <a:rPr lang="zh-CN" altLang="en-US" sz="1200" b="0" i="0" u="none" strike="noStrike" kern="1200" dirty="0" smtClean="0">
+                <a:solidFill>
+                  <a:schemeClr val="tx1"/>
+                </a:solidFill>
+                <a:effectLst/>
+                <a:latin typeface="+mn-lt"/>
+                <a:ea typeface="+mn-ea"/>
+                <a:cs typeface="+mn-cs"/>
+              </a:rPr>
+              <a:t>是</a:t>
+            </a:r>
+            <a:r>
+              <a:rPr lang="zh-CN" altLang="en-US" sz="1200" b="0" i="0" kern="1200" dirty="0" smtClean="0">
+                <a:solidFill>
+                  <a:schemeClr val="tx1"/>
+                </a:solidFill>
+                <a:effectLst/>
+                <a:latin typeface="+mn-lt"/>
+                <a:ea typeface="+mn-ea"/>
+                <a:cs typeface="+mn-cs"/>
+              </a:rPr>
+              <a:t>开源</a:t>
+            </a:r>
+            <a:r>
+              <a:rPr lang="en-US" altLang="zh-CN" sz="1200" b="0" i="0" kern="1200" dirty="0" err="1" smtClean="0">
+                <a:solidFill>
+                  <a:schemeClr val="tx1"/>
+                </a:solidFill>
+                <a:effectLst/>
+                <a:latin typeface="+mn-lt"/>
+                <a:ea typeface="+mn-ea"/>
+                <a:cs typeface="+mn-cs"/>
+              </a:rPr>
               <a:t>.net</a:t>
             </a:r>
             <a:r>
-              <a:rPr lang="zh-CN" altLang="en-US" dirty="0" smtClean="0"/>
-              <a:t>框架的一种实现。</a:t>
-            </a:r>
-            <a:r>
-              <a:rPr lang="en-US" altLang="zh-CN" dirty="0" smtClean="0"/>
-              <a:t>Mono</a:t>
-            </a:r>
-            <a:r>
-              <a:rPr lang="zh-CN" altLang="en-US" dirty="0" smtClean="0"/>
-              <a:t>会</a:t>
-            </a:r>
-            <a:r>
-              <a:rPr lang="zh-CN" altLang="zh-CN" sz="1200" b="1" kern="1200" dirty="0" smtClean="0">
+              <a:rPr lang="zh-CN" altLang="en-US" sz="1200" b="0" i="0" kern="1200" dirty="0" smtClean="0">
                 <a:solidFill>
                   <a:schemeClr val="tx1"/>
                 </a:solidFill>
@@ -565,10 +791,288 @@
                 <a:ea typeface="+mn-ea"/>
                 <a:cs typeface="+mn-cs"/>
               </a:rPr>
-              <a:t>自动地改变堆的大小来适应你所需要的内存，并且定时地使用垃圾回收（</a:t>
-            </a:r>
-            <a:r>
-              <a:rPr lang="en-US" altLang="zh-CN" sz="1200" b="1" kern="1200" dirty="0" smtClean="0">
+              <a:t>框架的一种实现，对于</a:t>
+            </a:r>
+            <a:r>
+              <a:rPr lang="en-US" altLang="zh-CN" sz="1200" b="0" i="0" kern="1200" dirty="0" smtClean="0">
+                <a:solidFill>
+                  <a:schemeClr val="tx1"/>
+                </a:solidFill>
+                <a:effectLst/>
+                <a:latin typeface="+mn-lt"/>
+                <a:ea typeface="+mn-ea"/>
+                <a:cs typeface="+mn-cs"/>
+              </a:rPr>
+              <a:t>Unity</a:t>
+            </a:r>
+            <a:r>
+              <a:rPr lang="zh-CN" altLang="en-US" sz="1200" b="0" i="0" kern="1200" dirty="0" smtClean="0">
+                <a:solidFill>
+                  <a:schemeClr val="tx1"/>
+                </a:solidFill>
+                <a:effectLst/>
+                <a:latin typeface="+mn-lt"/>
+                <a:ea typeface="+mn-ea"/>
+                <a:cs typeface="+mn-cs"/>
+              </a:rPr>
+              <a:t>开发，其实充当了基本类库的角色。托管堆用来存放类的实例（比如用</a:t>
+            </a:r>
+            <a:r>
+              <a:rPr lang="en-US" altLang="zh-CN" sz="1200" b="0" i="0" kern="1200" dirty="0" smtClean="0">
+                <a:solidFill>
+                  <a:schemeClr val="tx1"/>
+                </a:solidFill>
+                <a:effectLst/>
+                <a:latin typeface="+mn-lt"/>
+                <a:ea typeface="+mn-ea"/>
+                <a:cs typeface="+mn-cs"/>
+              </a:rPr>
+              <a:t>new</a:t>
+            </a:r>
+            <a:r>
+              <a:rPr lang="zh-CN" altLang="en-US" sz="1200" b="0" i="0" kern="1200" dirty="0" smtClean="0">
+                <a:solidFill>
+                  <a:schemeClr val="tx1"/>
+                </a:solidFill>
+                <a:effectLst/>
+                <a:latin typeface="+mn-lt"/>
+                <a:ea typeface="+mn-ea"/>
+                <a:cs typeface="+mn-cs"/>
+              </a:rPr>
+              <a:t>生成的列表，实例中的各种声明的变量等），比如在代码中</a:t>
+            </a:r>
+            <a:r>
+              <a:rPr lang="en-US" altLang="zh-CN" sz="1200" b="0" i="0" kern="1200" dirty="0" smtClean="0">
+                <a:solidFill>
+                  <a:schemeClr val="tx1"/>
+                </a:solidFill>
+                <a:effectLst/>
+                <a:latin typeface="+mn-lt"/>
+                <a:ea typeface="+mn-ea"/>
+                <a:cs typeface="+mn-cs"/>
+              </a:rPr>
+              <a:t>new</a:t>
+            </a:r>
+            <a:r>
+              <a:rPr lang="zh-CN" altLang="en-US" sz="1200" b="0" i="0" kern="1200" dirty="0" smtClean="0">
+                <a:solidFill>
+                  <a:schemeClr val="tx1"/>
+                </a:solidFill>
+                <a:effectLst/>
+                <a:latin typeface="+mn-lt"/>
+                <a:ea typeface="+mn-ea"/>
+                <a:cs typeface="+mn-cs"/>
+              </a:rPr>
+              <a:t>一个</a:t>
+            </a:r>
+            <a:r>
+              <a:rPr lang="en-US" altLang="zh-CN" sz="1200" b="0" i="0" kern="1200" dirty="0" err="1" smtClean="0">
+                <a:solidFill>
+                  <a:schemeClr val="tx1"/>
+                </a:solidFill>
+                <a:effectLst/>
+                <a:latin typeface="+mn-lt"/>
+                <a:ea typeface="+mn-ea"/>
+                <a:cs typeface="+mn-cs"/>
+              </a:rPr>
+              <a:t>GameObject</a:t>
+            </a:r>
+            <a:r>
+              <a:rPr lang="zh-CN" altLang="en-US" sz="1200" b="0" i="0" kern="1200" dirty="0" smtClean="0">
+                <a:solidFill>
+                  <a:schemeClr val="tx1"/>
+                </a:solidFill>
+                <a:effectLst/>
+                <a:latin typeface="+mn-lt"/>
+                <a:ea typeface="+mn-ea"/>
+                <a:cs typeface="+mn-cs"/>
+              </a:rPr>
+              <a:t>，使用的就是</a:t>
+            </a:r>
+            <a:r>
+              <a:rPr lang="en-US" altLang="zh-CN" sz="1200" b="0" i="0" kern="1200" dirty="0" smtClean="0">
+                <a:solidFill>
+                  <a:schemeClr val="tx1"/>
+                </a:solidFill>
+                <a:effectLst/>
+                <a:latin typeface="+mn-lt"/>
+                <a:ea typeface="+mn-ea"/>
+                <a:cs typeface="+mn-cs"/>
+              </a:rPr>
+              <a:t>mono</a:t>
+            </a:r>
+            <a:r>
+              <a:rPr lang="zh-CN" altLang="en-US" sz="1200" b="0" i="0" kern="1200" dirty="0" smtClean="0">
+                <a:solidFill>
+                  <a:schemeClr val="tx1"/>
+                </a:solidFill>
+                <a:effectLst/>
+                <a:latin typeface="+mn-lt"/>
+                <a:ea typeface="+mn-ea"/>
+                <a:cs typeface="+mn-cs"/>
+              </a:rPr>
+              <a:t>的内存。</a:t>
+            </a:r>
+            <a:r>
+              <a:rPr lang="en-US" altLang="zh-CN" sz="1200" b="0" i="0" kern="1200" dirty="0" smtClean="0">
+                <a:solidFill>
+                  <a:schemeClr val="tx1"/>
+                </a:solidFill>
+                <a:effectLst/>
+                <a:latin typeface="+mn-lt"/>
+                <a:ea typeface="+mn-ea"/>
+                <a:cs typeface="+mn-cs"/>
+              </a:rPr>
+              <a:t>3</a:t>
+            </a:r>
+            <a:r>
+              <a:rPr lang="zh-CN" altLang="en-US" sz="1200" b="0" i="0" kern="1200" dirty="0" smtClean="0">
+                <a:solidFill>
+                  <a:schemeClr val="tx1"/>
+                </a:solidFill>
+                <a:effectLst/>
+                <a:latin typeface="+mn-lt"/>
+                <a:ea typeface="+mn-ea"/>
+                <a:cs typeface="+mn-cs"/>
+              </a:rPr>
+              <a:t>、本机堆是</a:t>
+            </a:r>
+            <a:r>
+              <a:rPr lang="en-US" altLang="zh-CN" sz="1200" b="0" i="0" kern="1200" dirty="0" smtClean="0">
+                <a:solidFill>
+                  <a:schemeClr val="tx1"/>
+                </a:solidFill>
+                <a:effectLst/>
+                <a:latin typeface="+mn-lt"/>
+                <a:ea typeface="+mn-ea"/>
+                <a:cs typeface="+mn-cs"/>
+              </a:rPr>
+              <a:t>Unity</a:t>
+            </a:r>
+            <a:r>
+              <a:rPr lang="zh-CN" altLang="en-US" sz="1200" b="0" i="0" kern="1200" dirty="0" smtClean="0">
+                <a:solidFill>
+                  <a:schemeClr val="tx1"/>
+                </a:solidFill>
+                <a:effectLst/>
+                <a:latin typeface="+mn-lt"/>
+                <a:ea typeface="+mn-ea"/>
+                <a:cs typeface="+mn-cs"/>
+              </a:rPr>
+              <a:t>引擎进行资源的申请和操作的地方，比如贴图，音效，关卡数据等。包括场景中自带的资源以及代码中</a:t>
+            </a:r>
+            <a:endParaRPr lang="en-US" altLang="zh-CN" sz="1200" b="0" i="0" kern="1200" dirty="0" smtClean="0">
+              <a:solidFill>
+                <a:schemeClr val="tx1"/>
+              </a:solidFill>
+              <a:effectLst/>
+              <a:latin typeface="+mn-lt"/>
+              <a:ea typeface="+mn-ea"/>
+              <a:cs typeface="+mn-cs"/>
+            </a:endParaRPr>
+          </a:p>
+          <a:p>
+            <a:endParaRPr lang="en-US" altLang="zh-CN" sz="1200" b="0" i="0" kern="1200" dirty="0" smtClean="0">
+              <a:solidFill>
+                <a:schemeClr val="tx1"/>
+              </a:solidFill>
+              <a:effectLst/>
+              <a:latin typeface="+mn-lt"/>
+              <a:ea typeface="+mn-ea"/>
+              <a:cs typeface="+mn-cs"/>
+            </a:endParaRPr>
+          </a:p>
+          <a:p>
+            <a:r>
+              <a:rPr lang="en-US" altLang="zh-CN" sz="1200" b="0" i="0" kern="1200" dirty="0" smtClean="0">
+                <a:solidFill>
+                  <a:schemeClr val="tx1"/>
+                </a:solidFill>
+                <a:effectLst/>
+                <a:latin typeface="+mn-lt"/>
+                <a:ea typeface="+mn-ea"/>
+                <a:cs typeface="+mn-cs"/>
+              </a:rPr>
+              <a:t>Unity</a:t>
+            </a:r>
+            <a:r>
+              <a:rPr lang="zh-CN" altLang="en-US" sz="1200" b="0" i="0" kern="1200" dirty="0" smtClean="0">
+                <a:solidFill>
+                  <a:schemeClr val="tx1"/>
+                </a:solidFill>
+                <a:effectLst/>
+                <a:latin typeface="+mn-lt"/>
+                <a:ea typeface="+mn-ea"/>
+                <a:cs typeface="+mn-cs"/>
+              </a:rPr>
+              <a:t>使用了自己的一套内存管理机制来使这块内存具有和托管堆类似的功能。基本理念是，如果在这个关卡里需要某个资源，那么在需要时就加载，之后在没有任何引用时进行卸载。</a:t>
+            </a:r>
+            <a:endParaRPr lang="en-US" altLang="zh-CN" sz="1200" b="0" i="0" kern="1200" dirty="0" smtClean="0">
+              <a:solidFill>
+                <a:schemeClr val="tx1"/>
+              </a:solidFill>
+              <a:effectLst/>
+              <a:latin typeface="+mn-lt"/>
+              <a:ea typeface="+mn-ea"/>
+              <a:cs typeface="+mn-cs"/>
+            </a:endParaRPr>
+          </a:p>
+          <a:p>
+            <a:pPr marL="0" marR="0" indent="0" algn="l" defTabSz="914400" rtl="0" eaLnBrk="1" fontAlgn="auto" latinLnBrk="0" hangingPunct="1">
+              <a:lnSpc>
+                <a:spcPct val="100000"/>
+              </a:lnSpc>
+              <a:spcBef>
+                <a:spcPts val="0"/>
+              </a:spcBef>
+              <a:spcAft>
+                <a:spcPts val="0"/>
+              </a:spcAft>
+              <a:buClrTx/>
+              <a:buSzTx/>
+              <a:buFontTx/>
+              <a:buNone/>
+              <a:tabLst/>
+              <a:defRPr/>
+            </a:pPr>
+            <a:r>
+              <a:rPr lang="zh-CN" altLang="en-US" sz="1200" b="0" i="0" kern="1200" dirty="0" smtClean="0">
+                <a:solidFill>
+                  <a:schemeClr val="tx1"/>
+                </a:solidFill>
+                <a:effectLst/>
+                <a:latin typeface="+mn-lt"/>
+                <a:ea typeface="+mn-ea"/>
+                <a:cs typeface="+mn-cs"/>
+              </a:rPr>
+              <a:t>“托管”的意思是</a:t>
+            </a:r>
+            <a:r>
+              <a:rPr lang="en-US" altLang="zh-CN" sz="1200" b="0" i="0" kern="1200" dirty="0" smtClean="0">
+                <a:solidFill>
+                  <a:schemeClr val="tx1"/>
+                </a:solidFill>
+                <a:effectLst/>
+                <a:latin typeface="+mn-lt"/>
+                <a:ea typeface="+mn-ea"/>
+                <a:cs typeface="+mn-cs"/>
+              </a:rPr>
+              <a:t>Mono“</a:t>
+            </a:r>
+            <a:r>
+              <a:rPr lang="zh-CN" altLang="en-US" sz="1200" b="0" i="0" kern="1200" dirty="0" smtClean="0">
+                <a:solidFill>
+                  <a:schemeClr val="tx1"/>
+                </a:solidFill>
+                <a:effectLst/>
+                <a:latin typeface="+mn-lt"/>
+                <a:ea typeface="+mn-ea"/>
+                <a:cs typeface="+mn-cs"/>
+              </a:rPr>
+              <a:t>应该”自动地改变堆的大小来适应你所需要的内存，并且定时地使用垃圾回收（</a:t>
+            </a:r>
+            <a:r>
+              <a:rPr lang="en-US" altLang="zh-CN" sz="1200" b="0" i="0" kern="1200" dirty="0" smtClean="0">
                 <a:solidFill>
                   <a:schemeClr val="tx1"/>
                 </a:solidFill>
@@ -580,7 +1084,7 @@
               <a:t>Garbage Collect</a:t>
             </a:r>
             <a:r>
-              <a:rPr lang="zh-CN" altLang="zh-CN" sz="1200" b="1" kern="1200" dirty="0" smtClean="0">
+              <a:rPr lang="zh-CN" altLang="en-US" sz="1200" b="0" i="0" kern="1200" dirty="0" smtClean="0">
                 <a:solidFill>
                   <a:schemeClr val="tx1"/>
                 </a:solidFill>
@@ -592,7 +1096,7 @@
               <a:t>）来释放已经不需要的内存。关键在于，有时候你会忘记清除对已经不需要再使用的内存的引用，从而导致</a:t>
             </a:r>
             <a:r>
-              <a:rPr lang="en-US" altLang="zh-CN" sz="1200" b="1" kern="1200" dirty="0" smtClean="0">
+              <a:rPr lang="en-US" altLang="zh-CN" sz="1200" b="0" i="0" kern="1200" dirty="0" smtClean="0">
                 <a:solidFill>
                   <a:schemeClr val="tx1"/>
                 </a:solidFill>
@@ -604,7 +1108,7 @@
               <a:t>Mono</a:t>
             </a:r>
             <a:r>
-              <a:rPr lang="zh-CN" altLang="zh-CN" sz="1200" b="1" kern="1200" dirty="0" smtClean="0">
+              <a:rPr lang="zh-CN" altLang="en-US" sz="1200" b="0" i="0" kern="1200" dirty="0" smtClean="0">
                 <a:solidFill>
                   <a:schemeClr val="tx1"/>
                 </a:solidFill>
@@ -615,125 +1119,17 @@
               </a:rPr>
               <a:t>认为这块内存一直有用，而无法回收。</a:t>
             </a:r>
-            <a:endParaRPr lang="en-US" altLang="zh-CN" dirty="0" smtClean="0"/>
-          </a:p>
-          <a:p>
-            <a:r>
-              <a:rPr lang="en-US" altLang="zh-CN" dirty="0" smtClean="0"/>
-              <a:t>3</a:t>
-            </a:r>
-            <a:r>
-              <a:rPr lang="zh-CN" altLang="en-US" dirty="0" smtClean="0"/>
-              <a:t>、</a:t>
-            </a:r>
-            <a:r>
-              <a:rPr lang="zh-CN" altLang="zh-CN" sz="1200" b="1" kern="1200" dirty="0" smtClean="0">
-                <a:solidFill>
-                  <a:schemeClr val="tx1"/>
-                </a:solidFill>
-                <a:effectLst/>
-                <a:latin typeface="+mn-lt"/>
-                <a:ea typeface="+mn-ea"/>
-                <a:cs typeface="+mn-cs"/>
-              </a:rPr>
-              <a:t>自动加载资源</a:t>
-            </a:r>
-            <a:r>
-              <a:rPr lang="zh-CN" altLang="en-US" sz="1200" b="1" kern="1200" dirty="0" smtClean="0">
-                <a:solidFill>
-                  <a:schemeClr val="tx1"/>
-                </a:solidFill>
-                <a:effectLst/>
-                <a:latin typeface="+mn-lt"/>
-                <a:ea typeface="+mn-ea"/>
-                <a:cs typeface="+mn-cs"/>
-              </a:rPr>
-              <a:t>，</a:t>
-            </a:r>
-            <a:r>
-              <a:rPr lang="zh-CN" altLang="zh-CN" sz="1200" b="1" kern="1200" dirty="0" smtClean="0">
-                <a:solidFill>
-                  <a:schemeClr val="tx1"/>
-                </a:solidFill>
-                <a:effectLst/>
-                <a:latin typeface="+mn-lt"/>
-                <a:ea typeface="+mn-ea"/>
-                <a:cs typeface="+mn-cs"/>
-              </a:rPr>
-              <a:t>开发者失去了手动管理所有加载资源的权力，这非常容易导致大量的内存占用（贴图什么的你懂的），也是</a:t>
-            </a:r>
-            <a:r>
-              <a:rPr lang="en-US" altLang="zh-CN" sz="1200" b="1" kern="1200" dirty="0" smtClean="0">
-                <a:solidFill>
-                  <a:schemeClr val="tx1"/>
-                </a:solidFill>
-                <a:effectLst/>
-                <a:latin typeface="+mn-lt"/>
-                <a:ea typeface="+mn-ea"/>
-                <a:cs typeface="+mn-cs"/>
-              </a:rPr>
-              <a:t>Unity</a:t>
-            </a:r>
-            <a:r>
-              <a:rPr lang="zh-CN" altLang="zh-CN" sz="1200" b="1" kern="1200" dirty="0" smtClean="0">
-                <a:solidFill>
-                  <a:schemeClr val="tx1"/>
-                </a:solidFill>
-                <a:effectLst/>
-                <a:latin typeface="+mn-lt"/>
-                <a:ea typeface="+mn-ea"/>
-                <a:cs typeface="+mn-cs"/>
-              </a:rPr>
-              <a:t>给人留下</a:t>
-            </a:r>
-            <a:r>
-              <a:rPr lang="en-US" altLang="zh-CN" sz="1200" b="1" kern="1200" dirty="0" smtClean="0">
-                <a:solidFill>
-                  <a:schemeClr val="tx1"/>
-                </a:solidFill>
-                <a:effectLst/>
-                <a:latin typeface="+mn-lt"/>
-                <a:ea typeface="+mn-ea"/>
-                <a:cs typeface="+mn-cs"/>
-              </a:rPr>
-              <a:t>“</a:t>
-            </a:r>
-            <a:r>
-              <a:rPr lang="zh-CN" altLang="zh-CN" sz="1200" b="1" kern="1200" dirty="0" smtClean="0">
-                <a:solidFill>
-                  <a:schemeClr val="tx1"/>
-                </a:solidFill>
-                <a:effectLst/>
-                <a:latin typeface="+mn-lt"/>
-                <a:ea typeface="+mn-ea"/>
-                <a:cs typeface="+mn-cs"/>
-              </a:rPr>
-              <a:t>吃内存</a:t>
-            </a:r>
-            <a:r>
-              <a:rPr lang="en-US" altLang="zh-CN" sz="1200" b="1" kern="1200" dirty="0" smtClean="0">
-                <a:solidFill>
-                  <a:schemeClr val="tx1"/>
-                </a:solidFill>
-                <a:effectLst/>
-                <a:latin typeface="+mn-lt"/>
-                <a:ea typeface="+mn-ea"/>
-                <a:cs typeface="+mn-cs"/>
-              </a:rPr>
-              <a:t>”</a:t>
-            </a:r>
-            <a:r>
-              <a:rPr lang="zh-CN" altLang="zh-CN" sz="1200" b="1" kern="1200" dirty="0" smtClean="0">
-                <a:solidFill>
-                  <a:schemeClr val="tx1"/>
-                </a:solidFill>
-                <a:effectLst/>
-                <a:latin typeface="+mn-lt"/>
-                <a:ea typeface="+mn-ea"/>
-                <a:cs typeface="+mn-cs"/>
-              </a:rPr>
-              <a:t>印象的罪魁祸首。</a:t>
-            </a:r>
+            <a:endParaRPr lang="en-US" altLang="zh-CN" sz="1200" b="0" i="0" kern="1200" dirty="0" smtClean="0">
+              <a:solidFill>
+                <a:schemeClr val="tx1"/>
+              </a:solidFill>
+              <a:effectLst/>
+              <a:latin typeface="+mn-lt"/>
+              <a:ea typeface="+mn-ea"/>
+              <a:cs typeface="+mn-cs"/>
+            </a:endParaRPr>
+          </a:p>
+          <a:p>
             <a:endParaRPr lang="zh-CN" altLang="en-US" dirty="0"/>
           </a:p>
         </p:txBody>
@@ -755,7 +1151,7 @@
           <a:p>
             <a:fld id="{C4BEA10B-ED6A-4253-A7CC-E8E39BAB7EB5}" type="slidenum">
               <a:rPr lang="zh-CN" altLang="en-US" smtClean="0"/>
-              <a:t>4</a:t>
+              <a:t>3</a:t>
             </a:fld>
             <a:endParaRPr lang="zh-CN" altLang="en-US"/>
           </a:p>
@@ -819,39 +1215,78 @@
           <a:lstStyle/>
           <a:p>
             <a:r>
-              <a:rPr lang="en-US" altLang="zh-CN" dirty="0" err="1" smtClean="0"/>
-              <a:t>Wetest</a:t>
-            </a:r>
-            <a:r>
-              <a:rPr lang="zh-CN" altLang="en-US" dirty="0" smtClean="0"/>
-              <a:t>测试报告：</a:t>
-            </a:r>
-            <a:endParaRPr lang="en-US" altLang="zh-CN" dirty="0" smtClean="0"/>
-          </a:p>
-          <a:p>
-            <a:r>
-              <a:rPr lang="en-US" altLang="zh-CN" dirty="0" smtClean="0"/>
-              <a:t>http://wetest.qq.com/cube/Report?testid=5</a:t>
-            </a:r>
-          </a:p>
-          <a:p>
-            <a:endParaRPr lang="en-US" altLang="zh-CN" dirty="0" smtClean="0"/>
-          </a:p>
-          <a:p>
-            <a:r>
-              <a:rPr lang="en-US" altLang="zh-CN" dirty="0" smtClean="0"/>
-              <a:t>IOS instrument</a:t>
-            </a:r>
-            <a:r>
-              <a:rPr lang="zh-CN" altLang="en-US" dirty="0" smtClean="0"/>
-              <a:t>：</a:t>
-            </a:r>
-            <a:endParaRPr lang="en-US" altLang="zh-CN" dirty="0" smtClean="0"/>
-          </a:p>
-          <a:p>
-            <a:r>
-              <a:rPr lang="en-US" altLang="zh-CN" dirty="0" smtClean="0"/>
-              <a:t>http://forum.china.unity3d.com/thread-14708-1-1.html</a:t>
+              <a:rPr lang="en-US" altLang="zh-CN" sz="1200" kern="1200" dirty="0" smtClean="0">
+                <a:solidFill>
+                  <a:schemeClr val="tx1"/>
+                </a:solidFill>
+                <a:effectLst/>
+                <a:latin typeface="+mn-lt"/>
+                <a:ea typeface="+mn-ea"/>
+                <a:cs typeface="+mn-cs"/>
+              </a:rPr>
+              <a:t>https://www.uwa4d.com/demo/pa.html?v=5x&amp;platform=oculus&amp;name=unity-chan#memory</a:t>
+            </a:r>
+          </a:p>
+          <a:p>
+            <a:r>
+              <a:rPr lang="zh-CN" altLang="zh-CN" sz="1200" kern="1200" dirty="0" smtClean="0">
+                <a:solidFill>
+                  <a:schemeClr val="tx1"/>
+                </a:solidFill>
+                <a:effectLst/>
+                <a:latin typeface="+mn-lt"/>
+                <a:ea typeface="+mn-ea"/>
+                <a:cs typeface="+mn-cs"/>
+              </a:rPr>
+              <a:t>蓝线和紫线的分离情况，反映了无效堆内存的分配大小。空闲的</a:t>
+            </a:r>
+            <a:r>
+              <a:rPr lang="en-US" altLang="zh-CN" sz="1200" kern="1200" dirty="0" smtClean="0">
+                <a:solidFill>
+                  <a:schemeClr val="tx1"/>
+                </a:solidFill>
+                <a:effectLst/>
+                <a:latin typeface="+mn-lt"/>
+                <a:ea typeface="+mn-ea"/>
+                <a:cs typeface="+mn-cs"/>
+              </a:rPr>
+              <a:t>Unity</a:t>
+            </a:r>
+            <a:r>
+              <a:rPr lang="zh-CN" altLang="zh-CN" sz="1200" kern="1200" dirty="0" smtClean="0">
+                <a:solidFill>
+                  <a:schemeClr val="tx1"/>
+                </a:solidFill>
+                <a:effectLst/>
+                <a:latin typeface="+mn-lt"/>
+                <a:ea typeface="+mn-ea"/>
+                <a:cs typeface="+mn-cs"/>
+              </a:rPr>
+              <a:t>引擎内存和无效的</a:t>
+            </a:r>
+            <a:r>
+              <a:rPr lang="en-US" altLang="zh-CN" sz="1200" kern="1200" dirty="0" smtClean="0">
+                <a:solidFill>
+                  <a:schemeClr val="tx1"/>
+                </a:solidFill>
+                <a:effectLst/>
+                <a:latin typeface="+mn-lt"/>
+                <a:ea typeface="+mn-ea"/>
+                <a:cs typeface="+mn-cs"/>
+              </a:rPr>
+              <a:t>Mono</a:t>
+            </a:r>
+            <a:r>
+              <a:rPr lang="zh-CN" altLang="zh-CN" sz="1200" kern="1200" dirty="0" smtClean="0">
+                <a:solidFill>
+                  <a:schemeClr val="tx1"/>
+                </a:solidFill>
+                <a:effectLst/>
+                <a:latin typeface="+mn-lt"/>
+                <a:ea typeface="+mn-ea"/>
+                <a:cs typeface="+mn-cs"/>
+              </a:rPr>
+              <a:t>堆内存</a:t>
             </a:r>
             <a:endParaRPr lang="zh-CN" altLang="en-US" dirty="0"/>
           </a:p>
@@ -874,7 +1309,7 @@
           <a:p>
             <a:fld id="{C4BEA10B-ED6A-4253-A7CC-E8E39BAB7EB5}" type="slidenum">
               <a:rPr lang="zh-CN" altLang="en-US" smtClean="0"/>
-              <a:t>7</a:t>
+              <a:t>4</a:t>
             </a:fld>
             <a:endParaRPr lang="zh-CN" altLang="en-US"/>
           </a:p>
@@ -883,7 +1318,7 @@
     </p:spTree>
     <p:extLst>
       <p:ext uri="{BB962C8B-B14F-4D97-AF65-F5344CB8AC3E}">
-        <p14:creationId xmlns:p14="http://schemas.microsoft.com/office/powerpoint/2010/main" val="672671687"/>
+        <p14:creationId xmlns:p14="http://schemas.microsoft.com/office/powerpoint/2010/main" val="1844974114"/>
       </p:ext>
     </p:extLst>
   </p:cSld>
@@ -938,43 +1373,40 @@
           <a:lstStyle/>
           <a:p>
             <a:r>
+              <a:rPr lang="en-US" altLang="zh-CN" dirty="0" err="1" smtClean="0"/>
+              <a:t>Wetest</a:t>
+            </a:r>
+            <a:r>
+              <a:rPr lang="zh-CN" altLang="en-US" dirty="0" smtClean="0"/>
+              <a:t>测试报告：</a:t>
+            </a:r>
+            <a:endParaRPr lang="en-US" altLang="zh-CN" dirty="0" smtClean="0"/>
+          </a:p>
+          <a:p>
+            <a:r>
               <a:rPr lang="en-US" altLang="zh-CN" dirty="0" smtClean="0"/>
-              <a:t>1</a:t>
+              <a:t>http://wetest.qq.com/cube/Report?testid=5</a:t>
+            </a:r>
+          </a:p>
+          <a:p>
+            <a:endParaRPr lang="en-US" altLang="zh-CN" dirty="0" smtClean="0"/>
+          </a:p>
+          <a:p>
+            <a:r>
+              <a:rPr lang="en-US" altLang="zh-CN" dirty="0" smtClean="0"/>
+              <a:t>IOS instrument</a:t>
             </a:r>
             <a:r>
               <a:rPr lang="zh-CN" altLang="en-US" dirty="0" smtClean="0"/>
-              <a:t>、</a:t>
-            </a:r>
+              <a:t>：</a:t>
+            </a:r>
+            <a:endParaRPr lang="en-US" altLang="zh-CN" dirty="0" smtClean="0"/>
+          </a:p>
+          <a:p>
             <a:r>
               <a:rPr lang="en-US" altLang="zh-CN" dirty="0" smtClean="0"/>
-              <a:t>unity</a:t>
-            </a:r>
-            <a:r>
-              <a:rPr lang="zh-CN" altLang="en-US" dirty="0" smtClean="0"/>
-              <a:t>的工程需要是</a:t>
-            </a:r>
-            <a:r>
-              <a:rPr lang="en-US" altLang="zh-CN" dirty="0" smtClean="0"/>
-              <a:t>android</a:t>
-            </a:r>
-            <a:r>
-              <a:rPr lang="zh-CN" altLang="en-US" dirty="0" smtClean="0"/>
-              <a:t>的工程</a:t>
-            </a:r>
-            <a:endParaRPr lang="en-US" altLang="zh-CN" dirty="0" smtClean="0"/>
-          </a:p>
-          <a:p>
-            <a:r>
-              <a:rPr lang="en-US" altLang="zh-CN" dirty="0" smtClean="0"/>
-              <a:t>2</a:t>
-            </a:r>
-            <a:r>
-              <a:rPr lang="zh-CN" altLang="en-US" dirty="0" smtClean="0"/>
-              <a:t>、游戏的代号要输入明确</a:t>
-            </a:r>
-            <a:endParaRPr lang="en-US" altLang="zh-CN" dirty="0" smtClean="0"/>
-          </a:p>
-          <a:p>
+              <a:t>http://forum.china.unity3d.com/thread-14708-1-1.html</a:t>
+            </a:r>
             <a:endParaRPr lang="zh-CN" altLang="en-US" dirty="0"/>
           </a:p>
         </p:txBody>
@@ -996,7 +1428,7 @@
           <a:p>
             <a:fld id="{C4BEA10B-ED6A-4253-A7CC-E8E39BAB7EB5}" type="slidenum">
               <a:rPr lang="zh-CN" altLang="en-US" smtClean="0"/>
-              <a:t>10</a:t>
+              <a:t>9</a:t>
             </a:fld>
             <a:endParaRPr lang="zh-CN" altLang="en-US"/>
           </a:p>
@@ -1005,7 +1437,7 @@
     </p:spTree>
     <p:extLst>
       <p:ext uri="{BB962C8B-B14F-4D97-AF65-F5344CB8AC3E}">
-        <p14:creationId xmlns:p14="http://schemas.microsoft.com/office/powerpoint/2010/main" val="730078917"/>
+        <p14:creationId xmlns:p14="http://schemas.microsoft.com/office/powerpoint/2010/main" val="672671687"/>
       </p:ext>
     </p:extLst>
   </p:cSld>
@@ -1061,8 +1493,42 @@
           <a:p>
             <a:r>
               <a:rPr lang="en-US" altLang="zh-CN" dirty="0" smtClean="0"/>
-              <a:t>http://192.168.131.233:9090/webtool/analysis_performance/index/</a:t>
-            </a:r>
+              <a:t>1</a:t>
+            </a:r>
+            <a:r>
+              <a:rPr lang="zh-CN" altLang="en-US" dirty="0" smtClean="0"/>
+              <a:t>、</a:t>
+            </a:r>
+            <a:r>
+              <a:rPr lang="en-US" altLang="zh-CN" dirty="0" smtClean="0"/>
+              <a:t>unity</a:t>
+            </a:r>
+            <a:r>
+              <a:rPr lang="zh-CN" altLang="en-US" dirty="0" smtClean="0"/>
+              <a:t>的工程需要是</a:t>
+            </a:r>
+            <a:r>
+              <a:rPr lang="en-US" altLang="zh-CN" dirty="0" smtClean="0"/>
+              <a:t>android</a:t>
+            </a:r>
+            <a:r>
+              <a:rPr lang="zh-CN" altLang="en-US" dirty="0" smtClean="0"/>
+              <a:t>的工程</a:t>
+            </a:r>
+            <a:endParaRPr lang="en-US" altLang="zh-CN" dirty="0" smtClean="0"/>
+          </a:p>
+          <a:p>
+            <a:r>
+              <a:rPr lang="en-US" altLang="zh-CN" dirty="0" smtClean="0"/>
+              <a:t>2</a:t>
+            </a:r>
+            <a:r>
+              <a:rPr lang="zh-CN" altLang="en-US" dirty="0" smtClean="0"/>
+              <a:t>、游戏的代号要输入明确</a:t>
+            </a:r>
+            <a:endParaRPr lang="en-US" altLang="zh-CN" dirty="0" smtClean="0"/>
+          </a:p>
+          <a:p>
             <a:endParaRPr lang="zh-CN" altLang="en-US" dirty="0"/>
           </a:p>
         </p:txBody>
@@ -1093,7 +1559,7 @@
     </p:spTree>
     <p:extLst>
       <p:ext uri="{BB962C8B-B14F-4D97-AF65-F5344CB8AC3E}">
-        <p14:creationId xmlns:p14="http://schemas.microsoft.com/office/powerpoint/2010/main" val="30369908"/>
+        <p14:creationId xmlns:p14="http://schemas.microsoft.com/office/powerpoint/2010/main" val="730078917"/>
       </p:ext>
     </p:extLst>
   </p:cSld>
@@ -1147,6 +1613,10 @@
           <a:bodyPr/>
           <a:lstStyle/>
           <a:p>
+            <a:r>
+              <a:rPr lang="en-US" altLang="zh-CN" dirty="0" smtClean="0"/>
+              <a:t>http://192.168.131.233:9090/webtool/analysis_performance/index/</a:t>
+            </a:r>
             <a:endParaRPr lang="zh-CN" altLang="en-US" dirty="0"/>
           </a:p>
         </p:txBody>
@@ -1168,7 +1638,7 @@
           <a:p>
             <a:fld id="{C4BEA10B-ED6A-4253-A7CC-E8E39BAB7EB5}" type="slidenum">
               <a:rPr lang="zh-CN" altLang="en-US" smtClean="0"/>
-              <a:t>13</a:t>
+              <a:t>14</a:t>
             </a:fld>
             <a:endParaRPr lang="zh-CN" altLang="en-US"/>
           </a:p>
@@ -1177,7 +1647,7 @@
     </p:spTree>
     <p:extLst>
       <p:ext uri="{BB962C8B-B14F-4D97-AF65-F5344CB8AC3E}">
-        <p14:creationId xmlns:p14="http://schemas.microsoft.com/office/powerpoint/2010/main" val="965608125"/>
+        <p14:creationId xmlns:p14="http://schemas.microsoft.com/office/powerpoint/2010/main" val="30369908"/>
       </p:ext>
     </p:extLst>
   </p:cSld>
@@ -1231,138 +1701,6 @@
           <a:bodyPr/>
           <a:lstStyle/>
           <a:p>
-            <a:r>
-              <a:rPr lang="en-US" altLang="zh-CN" dirty="0" smtClean="0"/>
-              <a:t>1</a:t>
-            </a:r>
-            <a:r>
-              <a:rPr lang="zh-CN" altLang="en-US" dirty="0" smtClean="0"/>
-              <a:t>、</a:t>
-            </a:r>
-            <a:r>
-              <a:rPr lang="en-US" altLang="zh-CN" dirty="0" smtClean="0"/>
-              <a:t>Mono</a:t>
-            </a:r>
-            <a:r>
-              <a:rPr lang="zh-CN" altLang="en-US" dirty="0" smtClean="0"/>
-              <a:t>内存泄漏一般是代码中没有将</a:t>
-            </a:r>
-            <a:r>
-              <a:rPr lang="en-US" altLang="zh-CN" dirty="0" smtClean="0"/>
-              <a:t>new</a:t>
-            </a:r>
-            <a:r>
-              <a:rPr lang="zh-CN" altLang="en-US" dirty="0" smtClean="0"/>
-              <a:t>出来的基本类的引用全部清除。</a:t>
-            </a:r>
-            <a:endParaRPr lang="en-US" altLang="zh-CN" dirty="0" smtClean="0"/>
-          </a:p>
-          <a:p>
-            <a:r>
-              <a:rPr lang="en-US" altLang="zh-CN" dirty="0" smtClean="0"/>
-              <a:t>2</a:t>
-            </a:r>
-            <a:r>
-              <a:rPr lang="zh-CN" altLang="en-US" dirty="0" smtClean="0"/>
-              <a:t>、资源内存泄漏：</a:t>
-            </a:r>
-            <a:endParaRPr lang="en-US" altLang="zh-CN" dirty="0" smtClean="0"/>
-          </a:p>
-          <a:p>
-            <a:pPr marL="228600" indent="-228600">
-              <a:buAutoNum type="alphaLcPeriod"/>
-            </a:pPr>
-            <a:r>
-              <a:rPr lang="zh-CN" altLang="en-US" sz="1200" b="1" i="0" kern="1200" dirty="0" smtClean="0">
-                <a:solidFill>
-                  <a:schemeClr val="tx1"/>
-                </a:solidFill>
-                <a:effectLst/>
-                <a:latin typeface="+mn-lt"/>
-                <a:ea typeface="+mn-ea"/>
-                <a:cs typeface="+mn-cs"/>
-              </a:rPr>
-              <a:t>存在该释放却没有释放的错误引用；</a:t>
-            </a:r>
-            <a:endParaRPr lang="en-US" altLang="zh-CN" sz="1200" b="1" i="0" kern="1200" dirty="0" smtClean="0">
-              <a:solidFill>
-                <a:schemeClr val="tx1"/>
-              </a:solidFill>
-              <a:effectLst/>
-              <a:latin typeface="+mn-lt"/>
-              <a:ea typeface="+mn-ea"/>
-              <a:cs typeface="+mn-cs"/>
-            </a:endParaRPr>
-          </a:p>
-          <a:p>
-            <a:pPr marL="228600" indent="-228600">
-              <a:buAutoNum type="alphaLcPeriod"/>
-            </a:pPr>
-            <a:r>
-              <a:rPr lang="zh-CN" altLang="en-US" sz="1200" b="1" i="0" kern="1200" dirty="0" smtClean="0">
-                <a:solidFill>
-                  <a:schemeClr val="tx1"/>
-                </a:solidFill>
-                <a:effectLst/>
-                <a:latin typeface="+mn-lt"/>
-                <a:ea typeface="+mn-ea"/>
-                <a:cs typeface="+mn-cs"/>
-              </a:rPr>
-              <a:t>在清除对资源的引用之前调用</a:t>
-            </a:r>
-            <a:r>
-              <a:rPr lang="en-US" altLang="zh-CN" sz="1200" b="1" i="0" kern="1200" dirty="0" err="1" smtClean="0">
-                <a:solidFill>
-                  <a:schemeClr val="tx1"/>
-                </a:solidFill>
-                <a:effectLst/>
-                <a:latin typeface="+mn-lt"/>
-                <a:ea typeface="+mn-ea"/>
-                <a:cs typeface="+mn-cs"/>
-              </a:rPr>
-              <a:t>UnloadUnusedAssets</a:t>
-            </a:r>
-            <a:r>
-              <a:rPr lang="zh-CN" altLang="en-US" sz="1200" b="1" i="0" kern="1200" dirty="0" smtClean="0">
-                <a:solidFill>
-                  <a:schemeClr val="tx1"/>
-                </a:solidFill>
-                <a:effectLst/>
-                <a:latin typeface="+mn-lt"/>
-                <a:ea typeface="+mn-ea"/>
-                <a:cs typeface="+mn-cs"/>
-              </a:rPr>
-              <a:t>，相当于没有清除资源，也没有清除引用；</a:t>
-            </a:r>
-            <a:endParaRPr lang="en-US" altLang="zh-CN" sz="1200" b="1" i="0" kern="1200" dirty="0" smtClean="0">
-              <a:solidFill>
-                <a:schemeClr val="tx1"/>
-              </a:solidFill>
-              <a:effectLst/>
-              <a:latin typeface="+mn-lt"/>
-              <a:ea typeface="+mn-ea"/>
-              <a:cs typeface="+mn-cs"/>
-            </a:endParaRPr>
-          </a:p>
-          <a:p>
-            <a:pPr marL="228600" indent="-228600">
-              <a:buAutoNum type="alphaLcPeriod"/>
-            </a:pPr>
-            <a:r>
-              <a:rPr lang="zh-CN" altLang="en-US" sz="1200" b="1" i="0" kern="1200" dirty="0" smtClean="0">
-                <a:solidFill>
-                  <a:schemeClr val="tx1"/>
-                </a:solidFill>
-                <a:effectLst/>
-                <a:latin typeface="+mn-lt"/>
-                <a:ea typeface="+mn-ea"/>
-                <a:cs typeface="+mn-cs"/>
-              </a:rPr>
-              <a:t>资源拷贝造成的资源浪费</a:t>
-            </a:r>
-            <a:endParaRPr lang="en-US" altLang="zh-CN" dirty="0" smtClean="0"/>
-          </a:p>
-          <a:p>
             <a:endParaRPr lang="zh-CN" altLang="en-US" dirty="0"/>
           </a:p>
         </p:txBody>
@@ -1384,7 +1722,7 @@
           <a:p>
             <a:fld id="{C4BEA10B-ED6A-4253-A7CC-E8E39BAB7EB5}" type="slidenum">
               <a:rPr lang="zh-CN" altLang="en-US" smtClean="0"/>
-              <a:t>14</a:t>
+              <a:t>15</a:t>
             </a:fld>
             <a:endParaRPr lang="zh-CN" altLang="en-US"/>
           </a:p>
@@ -1393,7 +1731,7 @@
     </p:spTree>
     <p:extLst>
       <p:ext uri="{BB962C8B-B14F-4D97-AF65-F5344CB8AC3E}">
-        <p14:creationId xmlns:p14="http://schemas.microsoft.com/office/powerpoint/2010/main" val="54969818"/>
+        <p14:creationId xmlns:p14="http://schemas.microsoft.com/office/powerpoint/2010/main" val="965608125"/>
       </p:ext>
     </p:extLst>
   </p:cSld>
@@ -1949,7 +2287,7 @@
           <a:p>
             <a:fld id="{C4BEA10B-ED6A-4253-A7CC-E8E39BAB7EB5}" type="slidenum">
               <a:rPr lang="zh-CN" altLang="en-US" smtClean="0"/>
-              <a:t>15</a:t>
+              <a:t>16</a:t>
             </a:fld>
             <a:endParaRPr lang="zh-CN" altLang="en-US"/>
           </a:p>
@@ -2149,7 +2487,7 @@
           <a:p>
             <a:fld id="{530820CF-B880-4189-942D-D702A7CBA730}" type="datetimeFigureOut">
               <a:rPr lang="zh-CN" altLang="en-US" smtClean="0"/>
-              <a:t>2017/5/25</a:t>
+              <a:t>2017/5/30</a:t>
             </a:fld>
             <a:endParaRPr lang="zh-CN" altLang="en-US"/>
           </a:p>
@@ -2314,7 +2652,7 @@
           <a:p>
             <a:fld id="{530820CF-B880-4189-942D-D702A7CBA730}" type="datetimeFigureOut">
               <a:rPr lang="zh-CN" altLang="en-US" smtClean="0"/>
-              <a:t>2017/5/25</a:t>
+              <a:t>2017/5/30</a:t>
             </a:fld>
             <a:endParaRPr lang="zh-CN" altLang="en-US"/>
           </a:p>
@@ -2489,7 +2827,7 @@
           <a:p>
             <a:fld id="{530820CF-B880-4189-942D-D702A7CBA730}" type="datetimeFigureOut">
               <a:rPr lang="zh-CN" altLang="en-US" smtClean="0"/>
-              <a:t>2017/5/25</a:t>
+              <a:t>2017/5/30</a:t>
             </a:fld>
             <a:endParaRPr lang="zh-CN" altLang="en-US"/>
           </a:p>
@@ -2654,7 +2992,7 @@
           <a:p>
             <a:fld id="{530820CF-B880-4189-942D-D702A7CBA730}" type="datetimeFigureOut">
               <a:rPr lang="zh-CN" altLang="en-US" smtClean="0"/>
-              <a:t>2017/5/25</a:t>
+              <a:t>2017/5/30</a:t>
             </a:fld>
             <a:endParaRPr lang="zh-CN" altLang="en-US"/>
           </a:p>
@@ -2895,7 +3233,7 @@
           <a:p>
             <a:fld id="{530820CF-B880-4189-942D-D702A7CBA730}" type="datetimeFigureOut">
               <a:rPr lang="zh-CN" altLang="en-US" smtClean="0"/>
-              <a:t>2017/5/25</a:t>
+              <a:t>2017/5/30</a:t>
             </a:fld>
             <a:endParaRPr lang="zh-CN" altLang="en-US"/>
           </a:p>
@@ -3178,7 +3516,7 @@
           <a:p>
             <a:fld id="{530820CF-B880-4189-942D-D702A7CBA730}" type="datetimeFigureOut">
               <a:rPr lang="zh-CN" altLang="en-US" smtClean="0"/>
-              <a:t>2017/5/25</a:t>
+              <a:t>2017/5/30</a:t>
             </a:fld>
             <a:endParaRPr lang="zh-CN" altLang="en-US"/>
           </a:p>
@@ -3595,7 +3933,7 @@
           <a:p>
             <a:fld id="{530820CF-B880-4189-942D-D702A7CBA730}" type="datetimeFigureOut">
               <a:rPr lang="zh-CN" altLang="en-US" smtClean="0"/>
-              <a:t>2017/5/25</a:t>
+              <a:t>2017/5/30</a:t>
             </a:fld>
             <a:endParaRPr lang="zh-CN" altLang="en-US"/>
           </a:p>
@@ -3708,7 +4046,7 @@
           <a:p>
             <a:fld id="{530820CF-B880-4189-942D-D702A7CBA730}" type="datetimeFigureOut">
               <a:rPr lang="zh-CN" altLang="en-US" smtClean="0"/>
-              <a:t>2017/5/25</a:t>
+              <a:t>2017/5/30</a:t>
             </a:fld>
             <a:endParaRPr lang="zh-CN" altLang="en-US"/>
           </a:p>
@@ -3798,7 +4136,7 @@
           <a:p>
             <a:fld id="{530820CF-B880-4189-942D-D702A7CBA730}" type="datetimeFigureOut">
               <a:rPr lang="zh-CN" altLang="en-US" smtClean="0"/>
-              <a:t>2017/5/25</a:t>
+              <a:t>2017/5/30</a:t>
             </a:fld>
             <a:endParaRPr lang="zh-CN" altLang="en-US"/>
           </a:p>
@@ -4070,7 +4408,7 @@
           <a:p>
             <a:fld id="{530820CF-B880-4189-942D-D702A7CBA730}" type="datetimeFigureOut">
               <a:rPr lang="zh-CN" altLang="en-US" smtClean="0"/>
-              <a:t>2017/5/25</a:t>
+              <a:t>2017/5/30</a:t>
             </a:fld>
             <a:endParaRPr lang="zh-CN" altLang="en-US"/>
           </a:p>
@@ -4318,7 +4656,7 @@
           <a:p>
             <a:fld id="{530820CF-B880-4189-942D-D702A7CBA730}" type="datetimeFigureOut">
               <a:rPr lang="zh-CN" altLang="en-US" smtClean="0"/>
-              <a:t>2017/5/25</a:t>
+              <a:t>2017/5/30</a:t>
             </a:fld>
             <a:endParaRPr lang="zh-CN" altLang="en-US"/>
           </a:p>
@@ -4526,7 +4864,7 @@
           <a:p>
             <a:fld id="{530820CF-B880-4189-942D-D702A7CBA730}" type="datetimeFigureOut">
               <a:rPr lang="zh-CN" altLang="en-US" smtClean="0"/>
-              <a:t>2017/5/25</a:t>
+              <a:t>2017/5/30</a:t>
             </a:fld>
             <a:endParaRPr lang="zh-CN" altLang="en-US"/>
           </a:p>
@@ -4988,6 +5326,312 @@
           <a:lstStyle/>
           <a:p>
             <a:r>
+              <a:rPr lang="en-US" altLang="zh-CN" dirty="0" smtClean="0"/>
+              <a:t>Unity Profiler</a:t>
+            </a:r>
+            <a:endParaRPr lang="zh-CN" altLang="en-US" dirty="0"/>
+          </a:p>
+        </p:txBody>
+      </p:sp>
+      <p:pic>
+        <p:nvPicPr>
+          <p:cNvPr id="2050" name="Picture 2"/>
+          <p:cNvPicPr>
+            <a:picLocks noChangeAspect="1" noChangeArrowheads="1"/>
+          </p:cNvPicPr>
+          <p:nvPr/>
+        </p:nvPicPr>
+        <p:blipFill>
+          <a:blip r:embed="rId2">
+            <a:extLst>
+              <a:ext uri="{28A0092B-C50C-407E-A947-70E740481C1C}">
+                <a14:useLocalDpi xmlns:a14="http://schemas.microsoft.com/office/drawing/2010/main" val="0"/>
+              </a:ext>
+            </a:extLst>
+          </a:blip>
+          <a:srcRect/>
+          <a:stretch>
+            <a:fillRect/>
+          </a:stretch>
+        </p:blipFill>
+        <p:spPr bwMode="auto">
+          <a:xfrm>
+            <a:off x="0" y="1268760"/>
+            <a:ext cx="9144000" cy="4050656"/>
+          </a:xfrm>
+          <a:prstGeom prst="rect">
+            <a:avLst/>
+          </a:prstGeom>
+          <a:noFill/>
+          <a:ln>
+            <a:noFill/>
+          </a:ln>
+          <a:effectLst/>
+          <a:extLst>
+            <a:ext uri="{909E8E84-426E-40DD-AFC4-6F175D3DCCD1}">
+              <a14:hiddenFill xmlns:a14="http://schemas.microsoft.com/office/drawing/2010/main">
+                <a:solidFill>
+                  <a:schemeClr val="accent1"/>
+                </a:solidFill>
+              </a14:hiddenFill>
+            </a:ext>
+            <a:ext uri="{91240B29-F687-4F45-9708-019B960494DF}">
+              <a14:hiddenLine xmlns:a14="http://schemas.microsoft.com/office/drawing/2010/main" w="9525">
+                <a:solidFill>
+                  <a:schemeClr val="tx1"/>
+                </a:solidFill>
+                <a:miter lim="800000"/>
+                <a:headEnd/>
+                <a:tailEnd/>
+              </a14:hiddenLine>
+            </a:ext>
+            <a:ext uri="{AF507438-7753-43E0-B8FC-AC1667EBCBE1}">
+              <a14:hiddenEffects xmlns:a14="http://schemas.microsoft.com/office/drawing/2010/main">
+                <a:effectLst>
+                  <a:outerShdw dist="35921" dir="2700000" algn="ctr" rotWithShape="0">
+                    <a:schemeClr val="bg2"/>
+                  </a:outerShdw>
+                </a:effectLst>
+              </a14:hiddenEffects>
+            </a:ext>
+          </a:extLst>
+        </p:spPr>
+      </p:pic>
+    </p:spTree>
+    <p:extLst>
+      <p:ext uri="{BB962C8B-B14F-4D97-AF65-F5344CB8AC3E}">
+        <p14:creationId xmlns:p14="http://schemas.microsoft.com/office/powerpoint/2010/main" val="1424885186"/>
+      </p:ext>
+    </p:extLst>
+  </p:cSld>
+  <p:clrMapOvr>
+    <a:masterClrMapping/>
+  </p:clrMapOvr>
+  <p:timing>
+    <p:tnLst>
+      <p:par>
+        <p:cTn id="1" dur="indefinite" restart="never" nodeType="tmRoot"/>
+      </p:par>
+    </p:tnLst>
+  </p:timing>
+</p:sld>
+</file>
+
+<file path=ppt/slides/slide11.xml><?xml version="1.0" encoding="utf-8"?>
+<p:sld xmlns:a="http://schemas.openxmlformats.org/drawingml/2006/main" xmlns:r="http://schemas.openxmlformats.org/officeDocument/2006/relationships" xmlns:p="http://schemas.openxmlformats.org/presentationml/2006/main">
+  <p:cSld>
+    <p:spTree>
+      <p:nvGrpSpPr>
+        <p:cNvPr id="1" name=""/>
+        <p:cNvGrpSpPr/>
+        <p:nvPr/>
+      </p:nvGrpSpPr>
+      <p:grpSpPr>
+        <a:xfrm>
+          <a:off x="0" y="0"/>
+          <a:ext cx="0" cy="0"/>
+          <a:chOff x="0" y="0"/>
+          <a:chExt cx="0" cy="0"/>
+        </a:xfrm>
+      </p:grpSpPr>
+      <p:sp>
+        <p:nvSpPr>
+          <p:cNvPr id="2" name="标题 1"/>
+          <p:cNvSpPr>
+            <a:spLocks noGrp="1"/>
+          </p:cNvSpPr>
+          <p:nvPr>
+            <p:ph type="title"/>
+          </p:nvPr>
+        </p:nvSpPr>
+        <p:spPr/>
+        <p:txBody>
+          <a:bodyPr/>
+          <a:lstStyle/>
+          <a:p>
+            <a:r>
+              <a:rPr lang="en-US" altLang="zh-CN" dirty="0"/>
+              <a:t>Unity Profiler</a:t>
+            </a:r>
+            <a:endParaRPr lang="zh-CN" altLang="en-US" dirty="0"/>
+          </a:p>
+        </p:txBody>
+      </p:sp>
+      <p:sp>
+        <p:nvSpPr>
+          <p:cNvPr id="3" name="内容占位符 2"/>
+          <p:cNvSpPr>
+            <a:spLocks noGrp="1"/>
+          </p:cNvSpPr>
+          <p:nvPr>
+            <p:ph idx="1"/>
+          </p:nvPr>
+        </p:nvSpPr>
+        <p:spPr>
+          <a:xfrm>
+            <a:off x="662880" y="2996952"/>
+            <a:ext cx="8229600" cy="2592287"/>
+          </a:xfrm>
+        </p:spPr>
+        <p:txBody>
+          <a:bodyPr/>
+          <a:lstStyle/>
+          <a:p>
+            <a:r>
+              <a:rPr lang="en-US" altLang="zh-CN" dirty="0" smtClean="0"/>
+              <a:t>Editor</a:t>
+            </a:r>
+            <a:r>
+              <a:rPr lang="zh-CN" altLang="en-US" dirty="0" smtClean="0"/>
+              <a:t>：选择</a:t>
+            </a:r>
+            <a:r>
+              <a:rPr lang="en-US" altLang="zh-CN" dirty="0" smtClean="0"/>
+              <a:t>Editor</a:t>
+            </a:r>
+            <a:r>
+              <a:rPr lang="zh-CN" altLang="en-US" dirty="0" smtClean="0"/>
+              <a:t>直接运行</a:t>
+            </a:r>
+            <a:endParaRPr lang="en-US" altLang="zh-CN" dirty="0" smtClean="0"/>
+          </a:p>
+          <a:p>
+            <a:r>
+              <a:rPr lang="en-US" altLang="zh-CN" dirty="0" smtClean="0"/>
+              <a:t>Android</a:t>
+            </a:r>
+            <a:r>
+              <a:rPr lang="zh-CN" altLang="en-US" dirty="0" smtClean="0"/>
+              <a:t>：</a:t>
+            </a:r>
+            <a:r>
+              <a:rPr lang="en-US" altLang="zh-CN" dirty="0" smtClean="0"/>
+              <a:t>ADB</a:t>
+            </a:r>
+            <a:r>
+              <a:rPr lang="zh-CN" altLang="en-US" dirty="0" smtClean="0"/>
+              <a:t>方式</a:t>
+            </a:r>
+            <a:endParaRPr lang="en-US" altLang="zh-CN" dirty="0" smtClean="0"/>
+          </a:p>
+          <a:p>
+            <a:r>
+              <a:rPr lang="en-US" altLang="zh-CN" dirty="0" err="1"/>
+              <a:t>ios</a:t>
+            </a:r>
+            <a:r>
+              <a:rPr lang="zh-CN" altLang="en-US" dirty="0" smtClean="0"/>
+              <a:t>：插入设备后选择相应的设备直接运行</a:t>
+            </a:r>
+            <a:endParaRPr lang="en-US" altLang="zh-CN" dirty="0" smtClean="0"/>
+          </a:p>
+          <a:p>
+            <a:r>
+              <a:rPr lang="en-US" altLang="zh-CN" dirty="0" smtClean="0"/>
+              <a:t>IP</a:t>
+            </a:r>
+            <a:r>
+              <a:rPr lang="zh-CN" altLang="en-US" dirty="0" smtClean="0"/>
+              <a:t>：适合无线局域网</a:t>
+            </a:r>
+            <a:endParaRPr lang="zh-CN" altLang="en-US" dirty="0"/>
+          </a:p>
+        </p:txBody>
+      </p:sp>
+      <p:pic>
+        <p:nvPicPr>
+          <p:cNvPr id="3074" name="Picture 2" descr="D:\WorkingFiles\内存管理\profiler.png"/>
+          <p:cNvPicPr>
+            <a:picLocks noChangeAspect="1" noChangeArrowheads="1"/>
+          </p:cNvPicPr>
+          <p:nvPr/>
+        </p:nvPicPr>
+        <p:blipFill>
+          <a:blip r:embed="rId2">
+            <a:extLst>
+              <a:ext uri="{28A0092B-C50C-407E-A947-70E740481C1C}">
+                <a14:useLocalDpi xmlns:a14="http://schemas.microsoft.com/office/drawing/2010/main" val="0"/>
+              </a:ext>
+            </a:extLst>
+          </a:blip>
+          <a:srcRect/>
+          <a:stretch>
+            <a:fillRect/>
+          </a:stretch>
+        </p:blipFill>
+        <p:spPr bwMode="auto">
+          <a:xfrm>
+            <a:off x="1979712" y="1337320"/>
+            <a:ext cx="4981575" cy="1371600"/>
+          </a:xfrm>
+          <a:prstGeom prst="rect">
+            <a:avLst/>
+          </a:prstGeom>
+          <a:noFill/>
+          <a:extLst>
+            <a:ext uri="{909E8E84-426E-40DD-AFC4-6F175D3DCCD1}">
+              <a14:hiddenFill xmlns:a14="http://schemas.microsoft.com/office/drawing/2010/main">
+                <a:solidFill>
+                  <a:srgbClr val="FFFFFF"/>
+                </a:solidFill>
+              </a14:hiddenFill>
+            </a:ext>
+          </a:extLst>
+        </p:spPr>
+      </p:pic>
+    </p:spTree>
+    <p:extLst>
+      <p:ext uri="{BB962C8B-B14F-4D97-AF65-F5344CB8AC3E}">
+        <p14:creationId xmlns:p14="http://schemas.microsoft.com/office/powerpoint/2010/main" val="1459053425"/>
+      </p:ext>
+    </p:extLst>
+  </p:cSld>
+  <p:clrMapOvr>
+    <a:masterClrMapping/>
+  </p:clrMapOvr>
+  <p:timing>
+    <p:tnLst>
+      <p:par>
+        <p:cTn id="1" dur="indefinite" restart="never" nodeType="tmRoot"/>
+      </p:par>
+    </p:tnLst>
+  </p:timing>
+</p:sld>
+</file>
+
+<file path=ppt/slides/slide12.xml><?xml version="1.0" encoding="utf-8"?>
+<p:sld xmlns:a="http://schemas.openxmlformats.org/drawingml/2006/main" xmlns:r="http://schemas.openxmlformats.org/officeDocument/2006/relationships" xmlns:p="http://schemas.openxmlformats.org/presentationml/2006/main">
+  <p:cSld>
+    <p:spTree>
+      <p:nvGrpSpPr>
+        <p:cNvPr id="1" name=""/>
+        <p:cNvGrpSpPr/>
+        <p:nvPr/>
+      </p:nvGrpSpPr>
+      <p:grpSpPr>
+        <a:xfrm>
+          <a:off x="0" y="0"/>
+          <a:ext cx="0" cy="0"/>
+          <a:chOff x="0" y="0"/>
+          <a:chExt cx="0" cy="0"/>
+        </a:xfrm>
+      </p:grpSpPr>
+      <p:sp>
+        <p:nvSpPr>
+          <p:cNvPr id="2" name="标题 1"/>
+          <p:cNvSpPr>
+            <a:spLocks noGrp="1"/>
+          </p:cNvSpPr>
+          <p:nvPr>
+            <p:ph type="title"/>
+          </p:nvPr>
+        </p:nvSpPr>
+        <p:spPr/>
+        <p:txBody>
+          <a:bodyPr/>
+          <a:lstStyle/>
+          <a:p>
+            <a:r>
               <a:rPr lang="en-US" altLang="zh-CN" dirty="0"/>
               <a:t>Unity Profiler</a:t>
             </a:r>
@@ -5087,7 +5731,7 @@
 </p:sld>
 </file>
 
-<file path=ppt/slides/slide11.xml><?xml version="1.0" encoding="utf-8"?>
+<file path=ppt/slides/slide13.xml><?xml version="1.0" encoding="utf-8"?>
 <p:sld xmlns:a="http://schemas.openxmlformats.org/drawingml/2006/main" xmlns:r="http://schemas.openxmlformats.org/officeDocument/2006/relationships" xmlns:p="http://schemas.openxmlformats.org/presentationml/2006/main">
   <p:cSld>
     <p:spTree>
@@ -5213,7 +5857,7 @@
           <a:graphicData uri="http://schemas.openxmlformats.org/presentationml/2006/ole">
             <mc:AlternateContent xmlns:mc="http://schemas.openxmlformats.org/markup-compatibility/2006">
               <mc:Choice xmlns:v="urn:schemas-microsoft-com:vml" Requires="v">
-                <p:oleObj spid="_x0000_s1207" name="包装程序外壳对象" showAsIcon="1" r:id="rId4" imgW="1688400" imgH="711360" progId="Package">
+                <p:oleObj spid="_x0000_s1287" name="包装程序外壳对象" showAsIcon="1" r:id="rId4" imgW="1688400" imgH="711360" progId="Package">
                   <p:embed/>
                 </p:oleObj>
               </mc:Choice>
@@ -5270,7 +5914,7 @@
           <a:graphicData uri="http://schemas.openxmlformats.org/presentationml/2006/ole">
             <mc:AlternateContent xmlns:mc="http://schemas.openxmlformats.org/markup-compatibility/2006">
               <mc:Choice xmlns:v="urn:schemas-microsoft-com:vml" Requires="v">
-                <p:oleObj spid="_x0000_s1208" name="包装程序外壳对象" showAsIcon="1" r:id="rId6" imgW="647280" imgH="711360" progId="Package">
+                <p:oleObj spid="_x0000_s1288" name="包装程序外壳对象" showAsIcon="1" r:id="rId6" imgW="647280" imgH="711360" progId="Package">
                   <p:embed/>
                 </p:oleObj>
               </mc:Choice>
@@ -5327,7 +5971,7 @@
           <a:graphicData uri="http://schemas.openxmlformats.org/presentationml/2006/ole">
             <mc:AlternateContent xmlns:mc="http://schemas.openxmlformats.org/markup-compatibility/2006">
               <mc:Choice xmlns:v="urn:schemas-microsoft-com:vml" Requires="v">
-                <p:oleObj spid="_x0000_s1209" name="包装程序外壳对象" showAsIcon="1" r:id="rId8" imgW="1117080" imgH="711360" progId="Package">
+                <p:oleObj spid="_x0000_s1289" name="包装程序外壳对象" showAsIcon="1" r:id="rId8" imgW="1117080" imgH="711360" progId="Package">
                   <p:embed/>
                 </p:oleObj>
               </mc:Choice>
@@ -5384,7 +6028,7 @@
           <a:graphicData uri="http://schemas.openxmlformats.org/presentationml/2006/ole">
             <mc:AlternateContent xmlns:mc="http://schemas.openxmlformats.org/markup-compatibility/2006">
               <mc:Choice xmlns:v="urn:schemas-microsoft-com:vml" Requires="v">
-                <p:oleObj spid="_x0000_s1210" name="包装程序外壳对象" showAsIcon="1" r:id="rId10" imgW="1269360" imgH="711360" progId="Package">
+                <p:oleObj spid="_x0000_s1290" name="包装程序外壳对象" showAsIcon="1" r:id="rId10" imgW="1269360" imgH="711360" progId="Package">
                   <p:embed/>
                 </p:oleObj>
               </mc:Choice>
@@ -5439,7 +6083,7 @@
 </p:sld>
 </file>
 
-<file path=ppt/slides/slide12.xml><?xml version="1.0" encoding="utf-8"?>
+<file path=ppt/slides/slide14.xml><?xml version="1.0" encoding="utf-8"?>
 <p:sld xmlns:a="http://schemas.openxmlformats.org/drawingml/2006/main" xmlns:r="http://schemas.openxmlformats.org/officeDocument/2006/relationships" xmlns:p="http://schemas.openxmlformats.org/presentationml/2006/main">
   <p:cSld>
     <p:spTree>
@@ -5540,368 +6184,6 @@
 </p:sld>
 </file>
 
-<file path=ppt/slides/slide13.xml><?xml version="1.0" encoding="utf-8"?>
-<p:sld xmlns:a="http://schemas.openxmlformats.org/drawingml/2006/main" xmlns:r="http://schemas.openxmlformats.org/officeDocument/2006/relationships" xmlns:p="http://schemas.openxmlformats.org/presentationml/2006/main">
-  <p:cSld>
-    <p:spTree>
-      <p:nvGrpSpPr>
-        <p:cNvPr id="1" name=""/>
-        <p:cNvGrpSpPr/>
-        <p:nvPr/>
-      </p:nvGrpSpPr>
-      <p:grpSpPr>
-        <a:xfrm>
-          <a:off x="0" y="0"/>
-          <a:ext cx="0" cy="0"/>
-          <a:chOff x="0" y="0"/>
-          <a:chExt cx="0" cy="0"/>
-        </a:xfrm>
-      </p:grpSpPr>
-      <p:sp>
-        <p:nvSpPr>
-          <p:cNvPr id="2" name="标题 1"/>
-          <p:cNvSpPr>
-            <a:spLocks noGrp="1"/>
-          </p:cNvSpPr>
-          <p:nvPr>
-            <p:ph type="title"/>
-          </p:nvPr>
-        </p:nvSpPr>
-        <p:spPr/>
-        <p:txBody>
-          <a:bodyPr/>
-          <a:lstStyle/>
-          <a:p>
-            <a:r>
-              <a:rPr lang="zh-CN" altLang="en-US" dirty="0" smtClean="0"/>
-              <a:t>结果分析（</a:t>
-            </a:r>
-            <a:r>
-              <a:rPr lang="en-US" altLang="zh-CN" dirty="0" smtClean="0"/>
-              <a:t>TBD</a:t>
-            </a:r>
-            <a:r>
-              <a:rPr lang="zh-CN" altLang="en-US" dirty="0" smtClean="0"/>
-              <a:t>）</a:t>
-            </a:r>
-            <a:endParaRPr lang="zh-CN" altLang="en-US" dirty="0"/>
-          </a:p>
-        </p:txBody>
-      </p:sp>
-      <p:sp>
-        <p:nvSpPr>
-          <p:cNvPr id="3" name="内容占位符 2"/>
-          <p:cNvSpPr>
-            <a:spLocks noGrp="1"/>
-          </p:cNvSpPr>
-          <p:nvPr>
-            <p:ph idx="1"/>
-          </p:nvPr>
-        </p:nvSpPr>
-        <p:spPr>
-          <a:xfrm>
-            <a:off x="467544" y="1268760"/>
-            <a:ext cx="8229600" cy="5184576"/>
-          </a:xfrm>
-        </p:spPr>
-        <p:txBody>
-          <a:bodyPr>
-            <a:normAutofit lnSpcReduction="10000"/>
-          </a:bodyPr>
-          <a:lstStyle/>
-          <a:p>
-            <a:r>
-              <a:rPr lang="zh-CN" altLang="en-US" dirty="0" smtClean="0"/>
-              <a:t>观察</a:t>
-            </a:r>
-            <a:r>
-              <a:rPr lang="en-US" altLang="zh-CN" dirty="0" smtClean="0"/>
-              <a:t>mono</a:t>
-            </a:r>
-            <a:r>
-              <a:rPr lang="zh-CN" altLang="en-US" dirty="0" smtClean="0"/>
-              <a:t>内存</a:t>
-            </a:r>
-            <a:endParaRPr lang="en-US" altLang="zh-CN" dirty="0" smtClean="0"/>
-          </a:p>
-          <a:p>
-            <a:pPr lvl="1"/>
-            <a:r>
-              <a:rPr lang="zh-CN" altLang="zh-CN" dirty="0"/>
-              <a:t>无效</a:t>
-            </a:r>
-            <a:r>
-              <a:rPr lang="en-US" altLang="zh-CN" dirty="0"/>
-              <a:t>mono</a:t>
-            </a:r>
-            <a:r>
-              <a:rPr lang="zh-CN" altLang="zh-CN" dirty="0"/>
-              <a:t>堆内存不断增大的</a:t>
-            </a:r>
-            <a:r>
-              <a:rPr lang="zh-CN" altLang="zh-CN" dirty="0" smtClean="0"/>
-              <a:t>情况</a:t>
-            </a:r>
-            <a:endParaRPr lang="en-US" altLang="zh-CN" dirty="0" smtClean="0"/>
-          </a:p>
-          <a:p>
-            <a:pPr lvl="1"/>
-            <a:r>
-              <a:rPr lang="en-US" altLang="zh-CN" dirty="0" smtClean="0"/>
-              <a:t>mono</a:t>
-            </a:r>
-            <a:r>
-              <a:rPr lang="zh-CN" altLang="zh-CN" dirty="0"/>
-              <a:t>峰值内存持续</a:t>
-            </a:r>
-            <a:r>
-              <a:rPr lang="zh-CN" altLang="zh-CN" dirty="0" smtClean="0"/>
-              <a:t>较高</a:t>
-            </a:r>
-            <a:endParaRPr lang="en-US" altLang="zh-CN" dirty="0" smtClean="0"/>
-          </a:p>
-          <a:p>
-            <a:r>
-              <a:rPr lang="zh-CN" altLang="en-US" dirty="0" smtClean="0"/>
-              <a:t>内存标准（仅供参考）</a:t>
-            </a:r>
-            <a:endParaRPr lang="en-US" altLang="zh-CN" dirty="0" smtClean="0"/>
-          </a:p>
-          <a:p>
-            <a:pPr lvl="1"/>
-            <a:r>
-              <a:rPr lang="zh-CN" altLang="zh-CN" dirty="0"/>
-              <a:t>纹理资源：</a:t>
-            </a:r>
-            <a:r>
-              <a:rPr lang="en-US" altLang="zh-CN" dirty="0"/>
-              <a:t> 50 MB	</a:t>
-            </a:r>
-            <a:r>
-              <a:rPr lang="zh-CN" altLang="zh-CN" dirty="0"/>
-              <a:t>动画片段：</a:t>
-            </a:r>
-            <a:r>
-              <a:rPr lang="en-US" altLang="zh-CN" dirty="0"/>
-              <a:t>15 MB		</a:t>
-            </a:r>
-            <a:endParaRPr lang="en-US" altLang="zh-CN" dirty="0" smtClean="0"/>
-          </a:p>
-          <a:p>
-            <a:pPr lvl="1"/>
-            <a:r>
-              <a:rPr lang="zh-CN" altLang="zh-CN" dirty="0" smtClean="0"/>
-              <a:t>音频</a:t>
-            </a:r>
-            <a:r>
-              <a:rPr lang="zh-CN" altLang="zh-CN" dirty="0"/>
-              <a:t>片段：</a:t>
-            </a:r>
-            <a:r>
-              <a:rPr lang="en-US" altLang="zh-CN" dirty="0"/>
-              <a:t>15 </a:t>
-            </a:r>
-            <a:r>
-              <a:rPr lang="en-US" altLang="zh-CN" dirty="0" smtClean="0"/>
-              <a:t>MB</a:t>
-            </a:r>
-            <a:r>
-              <a:rPr lang="en-US" altLang="zh-CN" dirty="0"/>
-              <a:t> </a:t>
-            </a:r>
-            <a:r>
-              <a:rPr lang="en-US" altLang="zh-CN" dirty="0" smtClean="0"/>
-              <a:t> </a:t>
-            </a:r>
-            <a:r>
-              <a:rPr lang="zh-CN" altLang="zh-CN" dirty="0" smtClean="0"/>
-              <a:t>网格</a:t>
-            </a:r>
-            <a:r>
-              <a:rPr lang="zh-CN" altLang="zh-CN" dirty="0"/>
-              <a:t>资源：</a:t>
-            </a:r>
-            <a:r>
-              <a:rPr lang="en-US" altLang="zh-CN" dirty="0"/>
-              <a:t> 20 </a:t>
-            </a:r>
-            <a:r>
-              <a:rPr lang="en-US" altLang="zh-CN" dirty="0" smtClean="0"/>
-              <a:t>MB</a:t>
-            </a:r>
-          </a:p>
-          <a:p>
-            <a:pPr lvl="1"/>
-            <a:r>
-              <a:rPr lang="en-US" altLang="zh-CN" dirty="0" smtClean="0"/>
-              <a:t>Mono</a:t>
-            </a:r>
-            <a:r>
-              <a:rPr lang="zh-CN" altLang="zh-CN" dirty="0"/>
-              <a:t>堆内存：</a:t>
-            </a:r>
-            <a:r>
-              <a:rPr lang="en-US" altLang="zh-CN" dirty="0"/>
-              <a:t>40 </a:t>
-            </a:r>
-            <a:r>
-              <a:rPr lang="en-US" altLang="zh-CN" dirty="0" smtClean="0"/>
-              <a:t>MB</a:t>
-            </a:r>
-            <a:r>
-              <a:rPr lang="en-US" altLang="zh-CN" dirty="0"/>
-              <a:t> </a:t>
-            </a:r>
-            <a:r>
-              <a:rPr lang="zh-CN" altLang="zh-CN" dirty="0" smtClean="0"/>
-              <a:t>其他</a:t>
-            </a:r>
-            <a:r>
-              <a:rPr lang="zh-CN" altLang="zh-CN" dirty="0"/>
-              <a:t>：</a:t>
-            </a:r>
-            <a:r>
-              <a:rPr lang="en-US" altLang="zh-CN" dirty="0"/>
-              <a:t>10 </a:t>
-            </a:r>
-            <a:r>
-              <a:rPr lang="en-US" altLang="zh-CN" dirty="0" smtClean="0"/>
-              <a:t>MB</a:t>
-            </a:r>
-          </a:p>
-          <a:p>
-            <a:r>
-              <a:rPr lang="zh-CN" altLang="en-US" dirty="0" smtClean="0"/>
-              <a:t>其他</a:t>
-            </a:r>
-            <a:endParaRPr lang="en-US" altLang="zh-CN" dirty="0" smtClean="0"/>
-          </a:p>
-          <a:p>
-            <a:pPr lvl="1"/>
-            <a:r>
-              <a:rPr lang="en-US" altLang="zh-CN" dirty="0" smtClean="0"/>
-              <a:t>Draw Call</a:t>
-            </a:r>
-            <a:r>
-              <a:rPr lang="zh-CN" altLang="en-US" dirty="0" smtClean="0"/>
-              <a:t>、三角形数超标</a:t>
-            </a:r>
-            <a:endParaRPr lang="en-US" altLang="zh-CN" dirty="0" smtClean="0"/>
-          </a:p>
-          <a:p>
-            <a:pPr lvl="1"/>
-            <a:r>
-              <a:rPr lang="en-US" altLang="zh-CN" dirty="0" smtClean="0"/>
-              <a:t>FPS</a:t>
-            </a:r>
-            <a:r>
-              <a:rPr lang="zh-CN" altLang="en-US" dirty="0" smtClean="0"/>
-              <a:t>过低过高</a:t>
-            </a:r>
-            <a:endParaRPr lang="zh-CN" altLang="en-US" dirty="0"/>
-          </a:p>
-        </p:txBody>
-      </p:sp>
-    </p:spTree>
-    <p:extLst>
-      <p:ext uri="{BB962C8B-B14F-4D97-AF65-F5344CB8AC3E}">
-        <p14:creationId xmlns:p14="http://schemas.microsoft.com/office/powerpoint/2010/main" val="2946382862"/>
-      </p:ext>
-    </p:extLst>
-  </p:cSld>
-  <p:clrMapOvr>
-    <a:masterClrMapping/>
-  </p:clrMapOvr>
-</p:sld>
-</file>
-
-<file path=ppt/slides/slide14.xml><?xml version="1.0" encoding="utf-8"?>
-<p:sld xmlns:a="http://schemas.openxmlformats.org/drawingml/2006/main" xmlns:r="http://schemas.openxmlformats.org/officeDocument/2006/relationships" xmlns:p="http://schemas.openxmlformats.org/presentationml/2006/main">
-  <p:cSld>
-    <p:spTree>
-      <p:nvGrpSpPr>
-        <p:cNvPr id="1" name=""/>
-        <p:cNvGrpSpPr/>
-        <p:nvPr/>
-      </p:nvGrpSpPr>
-      <p:grpSpPr>
-        <a:xfrm>
-          <a:off x="0" y="0"/>
-          <a:ext cx="0" cy="0"/>
-          <a:chOff x="0" y="0"/>
-          <a:chExt cx="0" cy="0"/>
-        </a:xfrm>
-      </p:grpSpPr>
-      <p:sp>
-        <p:nvSpPr>
-          <p:cNvPr id="2" name="标题 1"/>
-          <p:cNvSpPr>
-            <a:spLocks noGrp="1"/>
-          </p:cNvSpPr>
-          <p:nvPr>
-            <p:ph type="title"/>
-          </p:nvPr>
-        </p:nvSpPr>
-        <p:spPr/>
-        <p:txBody>
-          <a:bodyPr/>
-          <a:lstStyle/>
-          <a:p>
-            <a:r>
-              <a:rPr lang="zh-CN" altLang="en-US" dirty="0" smtClean="0"/>
-              <a:t>内存泄漏</a:t>
-            </a:r>
-            <a:endParaRPr lang="zh-CN" altLang="en-US" dirty="0"/>
-          </a:p>
-        </p:txBody>
-      </p:sp>
-      <p:sp>
-        <p:nvSpPr>
-          <p:cNvPr id="3" name="内容占位符 2"/>
-          <p:cNvSpPr>
-            <a:spLocks noGrp="1"/>
-          </p:cNvSpPr>
-          <p:nvPr>
-            <p:ph idx="1"/>
-          </p:nvPr>
-        </p:nvSpPr>
-        <p:spPr/>
-        <p:txBody>
-          <a:bodyPr/>
-          <a:lstStyle/>
-          <a:p>
-            <a:r>
-              <a:rPr lang="en-US" altLang="zh-CN" dirty="0" smtClean="0"/>
-              <a:t>Mono</a:t>
-            </a:r>
-            <a:r>
-              <a:rPr lang="zh-CN" altLang="en-US" dirty="0" smtClean="0"/>
-              <a:t>内存</a:t>
-            </a:r>
-            <a:endParaRPr lang="en-US" altLang="zh-CN" dirty="0" smtClean="0"/>
-          </a:p>
-          <a:p>
-            <a:r>
-              <a:rPr lang="zh-CN" altLang="en-US" dirty="0" smtClean="0"/>
-              <a:t>资源内存</a:t>
-            </a:r>
-            <a:endParaRPr lang="zh-CN" altLang="en-US" dirty="0"/>
-          </a:p>
-        </p:txBody>
-      </p:sp>
-    </p:spTree>
-    <p:extLst>
-      <p:ext uri="{BB962C8B-B14F-4D97-AF65-F5344CB8AC3E}">
-        <p14:creationId xmlns:p14="http://schemas.microsoft.com/office/powerpoint/2010/main" val="2020997450"/>
-      </p:ext>
-    </p:extLst>
-  </p:cSld>
-  <p:clrMapOvr>
-    <a:masterClrMapping/>
-  </p:clrMapOvr>
-</p:sld>
-</file>
-
 <file path=ppt/slides/slide15.xml><?xml version="1.0" encoding="utf-8"?>
 <p:sld xmlns:a="http://schemas.openxmlformats.org/drawingml/2006/main" xmlns:r="http://schemas.openxmlformats.org/officeDocument/2006/relationships" xmlns:p="http://schemas.openxmlformats.org/presentationml/2006/main">
   <p:cSld>
@@ -5936,7 +6218,15 @@
           <a:p>
             <a:r>
               <a:rPr lang="zh-CN" altLang="en-US" dirty="0" smtClean="0"/>
-              <a:t>未来工作</a:t>
+              <a:t>结果分析（</a:t>
+            </a:r>
+            <a:r>
+              <a:rPr lang="en-US" altLang="zh-CN" dirty="0" smtClean="0"/>
+              <a:t>TBD</a:t>
+            </a:r>
+            <a:r>
+              <a:rPr lang="zh-CN" altLang="en-US" dirty="0" smtClean="0"/>
+              <a:t>）</a:t>
             </a:r>
             <a:endParaRPr lang="zh-CN" altLang="en-US" dirty="0"/>
           </a:p>
@@ -5954,19 +6244,290 @@
         </p:nvSpPr>
         <p:spPr>
           <a:xfrm>
-            <a:off x="467544" y="1340768"/>
-            <a:ext cx="8229600" cy="4525963"/>
+            <a:off x="467544" y="1268760"/>
+            <a:ext cx="8229600" cy="5184576"/>
           </a:xfrm>
         </p:spPr>
         <p:txBody>
           <a:bodyPr>
-            <a:normAutofit fontScale="92500" lnSpcReduction="20000"/>
+            <a:normAutofit lnSpcReduction="10000"/>
           </a:bodyPr>
           <a:lstStyle/>
           <a:p>
             <a:r>
               <a:rPr lang="zh-CN" altLang="en-US" dirty="0" smtClean="0"/>
-              <a:t>将每次</a:t>
+              <a:t>观察</a:t>
+            </a:r>
+            <a:r>
+              <a:rPr lang="en-US" altLang="zh-CN" dirty="0" smtClean="0"/>
+              <a:t>mono</a:t>
+            </a:r>
+            <a:r>
+              <a:rPr lang="zh-CN" altLang="en-US" dirty="0" smtClean="0"/>
+              <a:t>内存</a:t>
+            </a:r>
+            <a:endParaRPr lang="en-US" altLang="zh-CN" dirty="0" smtClean="0"/>
+          </a:p>
+          <a:p>
+            <a:pPr lvl="1"/>
+            <a:r>
+              <a:rPr lang="zh-CN" altLang="zh-CN" dirty="0"/>
+              <a:t>无效</a:t>
+            </a:r>
+            <a:r>
+              <a:rPr lang="en-US" altLang="zh-CN" dirty="0"/>
+              <a:t>mono</a:t>
+            </a:r>
+            <a:r>
+              <a:rPr lang="zh-CN" altLang="zh-CN" dirty="0"/>
+              <a:t>堆内存不断增大的</a:t>
+            </a:r>
+            <a:r>
+              <a:rPr lang="zh-CN" altLang="zh-CN" dirty="0" smtClean="0"/>
+              <a:t>情况</a:t>
+            </a:r>
+            <a:endParaRPr lang="en-US" altLang="zh-CN" dirty="0" smtClean="0"/>
+          </a:p>
+          <a:p>
+            <a:pPr lvl="1"/>
+            <a:r>
+              <a:rPr lang="en-US" altLang="zh-CN" dirty="0" smtClean="0"/>
+              <a:t>mono</a:t>
+            </a:r>
+            <a:r>
+              <a:rPr lang="zh-CN" altLang="zh-CN" dirty="0"/>
+              <a:t>峰值内存持续</a:t>
+            </a:r>
+            <a:r>
+              <a:rPr lang="zh-CN" altLang="zh-CN" dirty="0" smtClean="0"/>
+              <a:t>较高</a:t>
+            </a:r>
+            <a:endParaRPr lang="en-US" altLang="zh-CN" dirty="0" smtClean="0"/>
+          </a:p>
+          <a:p>
+            <a:r>
+              <a:rPr lang="zh-CN" altLang="en-US" dirty="0" smtClean="0"/>
+              <a:t>内存标准（仅供参考）</a:t>
+            </a:r>
+            <a:endParaRPr lang="en-US" altLang="zh-CN" dirty="0" smtClean="0"/>
+          </a:p>
+          <a:p>
+            <a:pPr lvl="1"/>
+            <a:r>
+              <a:rPr lang="zh-CN" altLang="zh-CN" dirty="0"/>
+              <a:t>纹理资源：</a:t>
+            </a:r>
+            <a:r>
+              <a:rPr lang="en-US" altLang="zh-CN" dirty="0"/>
+              <a:t> 50 MB	</a:t>
+            </a:r>
+            <a:r>
+              <a:rPr lang="zh-CN" altLang="zh-CN" dirty="0"/>
+              <a:t>动画片段：</a:t>
+            </a:r>
+            <a:r>
+              <a:rPr lang="en-US" altLang="zh-CN" dirty="0"/>
+              <a:t>15 MB		</a:t>
+            </a:r>
+            <a:endParaRPr lang="en-US" altLang="zh-CN" dirty="0" smtClean="0"/>
+          </a:p>
+          <a:p>
+            <a:pPr lvl="1"/>
+            <a:r>
+              <a:rPr lang="zh-CN" altLang="zh-CN" dirty="0" smtClean="0"/>
+              <a:t>音频</a:t>
+            </a:r>
+            <a:r>
+              <a:rPr lang="zh-CN" altLang="zh-CN" dirty="0"/>
+              <a:t>片段：</a:t>
+            </a:r>
+            <a:r>
+              <a:rPr lang="en-US" altLang="zh-CN" dirty="0"/>
+              <a:t>15 </a:t>
+            </a:r>
+            <a:r>
+              <a:rPr lang="en-US" altLang="zh-CN" dirty="0" smtClean="0"/>
+              <a:t>MB</a:t>
+            </a:r>
+            <a:r>
+              <a:rPr lang="en-US" altLang="zh-CN" dirty="0"/>
+              <a:t> </a:t>
+            </a:r>
+            <a:r>
+              <a:rPr lang="en-US" altLang="zh-CN" dirty="0" smtClean="0"/>
+              <a:t> </a:t>
+            </a:r>
+            <a:r>
+              <a:rPr lang="zh-CN" altLang="zh-CN" dirty="0" smtClean="0"/>
+              <a:t>网格</a:t>
+            </a:r>
+            <a:r>
+              <a:rPr lang="zh-CN" altLang="zh-CN" dirty="0"/>
+              <a:t>资源：</a:t>
+            </a:r>
+            <a:r>
+              <a:rPr lang="en-US" altLang="zh-CN" dirty="0"/>
+              <a:t> 20 </a:t>
+            </a:r>
+            <a:r>
+              <a:rPr lang="en-US" altLang="zh-CN" dirty="0" smtClean="0"/>
+              <a:t>MB</a:t>
+            </a:r>
+          </a:p>
+          <a:p>
+            <a:pPr lvl="1"/>
+            <a:r>
+              <a:rPr lang="en-US" altLang="zh-CN" dirty="0" smtClean="0"/>
+              <a:t>Mono</a:t>
+            </a:r>
+            <a:r>
+              <a:rPr lang="zh-CN" altLang="zh-CN" dirty="0"/>
+              <a:t>堆内存：</a:t>
+            </a:r>
+            <a:r>
+              <a:rPr lang="en-US" altLang="zh-CN" dirty="0"/>
+              <a:t>40 </a:t>
+            </a:r>
+            <a:r>
+              <a:rPr lang="en-US" altLang="zh-CN" dirty="0" smtClean="0"/>
+              <a:t>MB</a:t>
+            </a:r>
+            <a:r>
+              <a:rPr lang="en-US" altLang="zh-CN" dirty="0"/>
+              <a:t> </a:t>
+            </a:r>
+            <a:r>
+              <a:rPr lang="zh-CN" altLang="zh-CN" dirty="0" smtClean="0"/>
+              <a:t>其他</a:t>
+            </a:r>
+            <a:r>
+              <a:rPr lang="zh-CN" altLang="zh-CN" dirty="0"/>
+              <a:t>：</a:t>
+            </a:r>
+            <a:r>
+              <a:rPr lang="en-US" altLang="zh-CN" dirty="0"/>
+              <a:t>10 </a:t>
+            </a:r>
+            <a:r>
+              <a:rPr lang="en-US" altLang="zh-CN" dirty="0" smtClean="0"/>
+              <a:t>MB</a:t>
+            </a:r>
+          </a:p>
+          <a:p>
+            <a:r>
+              <a:rPr lang="zh-CN" altLang="en-US" dirty="0" smtClean="0"/>
+              <a:t>其他</a:t>
+            </a:r>
+            <a:endParaRPr lang="en-US" altLang="zh-CN" dirty="0" smtClean="0"/>
+          </a:p>
+          <a:p>
+            <a:pPr lvl="1"/>
+            <a:r>
+              <a:rPr lang="en-US" altLang="zh-CN" dirty="0" smtClean="0"/>
+              <a:t>Draw Call</a:t>
+            </a:r>
+            <a:r>
+              <a:rPr lang="zh-CN" altLang="en-US" dirty="0" smtClean="0"/>
+              <a:t>、三角形数超标</a:t>
+            </a:r>
+            <a:endParaRPr lang="en-US" altLang="zh-CN" dirty="0" smtClean="0"/>
+          </a:p>
+          <a:p>
+            <a:pPr lvl="1"/>
+            <a:r>
+              <a:rPr lang="en-US" altLang="zh-CN" dirty="0" smtClean="0"/>
+              <a:t>FPS</a:t>
+            </a:r>
+            <a:r>
+              <a:rPr lang="zh-CN" altLang="en-US" dirty="0" smtClean="0"/>
+              <a:t>过低过高</a:t>
+            </a:r>
+            <a:endParaRPr lang="zh-CN" altLang="en-US" dirty="0"/>
+          </a:p>
+        </p:txBody>
+      </p:sp>
+    </p:spTree>
+    <p:extLst>
+      <p:ext uri="{BB962C8B-B14F-4D97-AF65-F5344CB8AC3E}">
+        <p14:creationId xmlns:p14="http://schemas.microsoft.com/office/powerpoint/2010/main" val="2946382862"/>
+      </p:ext>
+    </p:extLst>
+  </p:cSld>
+  <p:clrMapOvr>
+    <a:masterClrMapping/>
+  </p:clrMapOvr>
+</p:sld>
+</file>
+
+<file path=ppt/slides/slide16.xml><?xml version="1.0" encoding="utf-8"?>
+<p:sld xmlns:a="http://schemas.openxmlformats.org/drawingml/2006/main" xmlns:r="http://schemas.openxmlformats.org/officeDocument/2006/relationships" xmlns:p="http://schemas.openxmlformats.org/presentationml/2006/main">
+  <p:cSld>
+    <p:spTree>
+      <p:nvGrpSpPr>
+        <p:cNvPr id="1" name=""/>
+        <p:cNvGrpSpPr/>
+        <p:nvPr/>
+      </p:nvGrpSpPr>
+      <p:grpSpPr>
+        <a:xfrm>
+          <a:off x="0" y="0"/>
+          <a:ext cx="0" cy="0"/>
+          <a:chOff x="0" y="0"/>
+          <a:chExt cx="0" cy="0"/>
+        </a:xfrm>
+      </p:grpSpPr>
+      <p:sp>
+        <p:nvSpPr>
+          <p:cNvPr id="2" name="标题 1"/>
+          <p:cNvSpPr>
+            <a:spLocks noGrp="1"/>
+          </p:cNvSpPr>
+          <p:nvPr>
+            <p:ph type="title"/>
+          </p:nvPr>
+        </p:nvSpPr>
+        <p:spPr/>
+        <p:txBody>
+          <a:bodyPr/>
+          <a:lstStyle/>
+          <a:p>
+            <a:r>
+              <a:rPr lang="zh-CN" altLang="en-US" dirty="0" smtClean="0"/>
+              <a:t>未来工作</a:t>
+            </a:r>
+            <a:endParaRPr lang="zh-CN" altLang="en-US" dirty="0"/>
+          </a:p>
+        </p:txBody>
+      </p:sp>
+      <p:sp>
+        <p:nvSpPr>
+          <p:cNvPr id="3" name="内容占位符 2"/>
+          <p:cNvSpPr>
+            <a:spLocks noGrp="1"/>
+          </p:cNvSpPr>
+          <p:nvPr>
+            <p:ph idx="1"/>
+          </p:nvPr>
+        </p:nvSpPr>
+        <p:spPr>
+          <a:xfrm>
+            <a:off x="467544" y="1196752"/>
+            <a:ext cx="8229600" cy="5328592"/>
+          </a:xfrm>
+        </p:spPr>
+        <p:txBody>
+          <a:bodyPr>
+            <a:normAutofit fontScale="85000" lnSpcReduction="10000"/>
+          </a:bodyPr>
+          <a:lstStyle/>
+          <a:p>
+            <a:r>
+              <a:rPr lang="zh-CN" altLang="en-US" dirty="0" smtClean="0"/>
+              <a:t>将</a:t>
+            </a:r>
+            <a:r>
+              <a:rPr lang="zh-CN" altLang="en-US" dirty="0" smtClean="0"/>
+              <a:t>每次</a:t>
             </a:r>
             <a:r>
               <a:rPr lang="en-US" altLang="zh-CN" dirty="0" smtClean="0"/>
@@ -6072,7 +6633,37 @@
           <a:p>
             <a:r>
               <a:rPr lang="zh-CN" altLang="en-US" dirty="0" smtClean="0"/>
-              <a:t>通过分析找到游戏中存在的问题</a:t>
+              <a:t>通过分析找到游戏中存在的</a:t>
+            </a:r>
+            <a:r>
+              <a:rPr lang="zh-CN" altLang="en-US" dirty="0" smtClean="0"/>
+              <a:t>问题</a:t>
+            </a:r>
+            <a:endParaRPr lang="en-US" altLang="zh-CN" dirty="0" smtClean="0"/>
+          </a:p>
+          <a:p>
+            <a:endParaRPr lang="en-US" altLang="zh-CN" dirty="0" smtClean="0"/>
+          </a:p>
+          <a:p>
+            <a:r>
+              <a:rPr lang="zh-CN" altLang="en-US" dirty="0" smtClean="0"/>
+              <a:t>研究</a:t>
+            </a:r>
+            <a:r>
+              <a:rPr lang="en-US" altLang="zh-CN" dirty="0" smtClean="0"/>
+              <a:t>unity</a:t>
+            </a:r>
+            <a:r>
+              <a:rPr lang="zh-CN" altLang="en-US" dirty="0" smtClean="0"/>
+              <a:t>中</a:t>
+            </a:r>
+            <a:r>
+              <a:rPr lang="en-US" altLang="zh-CN" dirty="0" smtClean="0"/>
+              <a:t>Mono</a:t>
+            </a:r>
+            <a:r>
+              <a:rPr lang="zh-CN" altLang="en-US" dirty="0" smtClean="0"/>
+              <a:t>内存和资源内存泄露的主要原因</a:t>
             </a:r>
             <a:endParaRPr lang="en-US" altLang="zh-CN" dirty="0" smtClean="0"/>
           </a:p>
@@ -6095,7 +6686,7 @@
 </p:sld>
 </file>
 
-<file path=ppt/slides/slide16.xml><?xml version="1.0" encoding="utf-8"?>
+<file path=ppt/slides/slide17.xml><?xml version="1.0" encoding="utf-8"?>
 <p:sld xmlns:a="http://schemas.openxmlformats.org/drawingml/2006/main" xmlns:r="http://schemas.openxmlformats.org/officeDocument/2006/relationships" xmlns:p="http://schemas.openxmlformats.org/presentationml/2006/main">
   <p:cSld>
     <p:spTree>
@@ -6384,7 +6975,7 @@
 </p:sld>
 </file>
 
-<file path=ppt/slides/slide17.xml><?xml version="1.0" encoding="utf-8"?>
+<file path=ppt/slides/slide18.xml><?xml version="1.0" encoding="utf-8"?>
 <p:sld xmlns:a="http://schemas.openxmlformats.org/drawingml/2006/main" xmlns:r="http://schemas.openxmlformats.org/officeDocument/2006/relationships" xmlns:p="http://schemas.openxmlformats.org/presentationml/2006/main">
   <p:cSld>
     <p:spTree>
@@ -6717,7 +7308,18 @@
             </a:r>
             <a:r>
               <a:rPr lang="zh-CN" altLang="en-US" dirty="0" smtClean="0"/>
-              <a:t>内存的特点</a:t>
+              <a:t>内存的</a:t>
+            </a:r>
+            <a:r>
+              <a:rPr lang="zh-CN" altLang="en-US" dirty="0" smtClean="0"/>
+              <a:t>特点</a:t>
+            </a:r>
+            <a:endParaRPr lang="en-US" altLang="zh-CN" dirty="0"/>
+          </a:p>
+          <a:p>
+            <a:r>
+              <a:rPr lang="zh-CN" altLang="en-US" dirty="0" smtClean="0"/>
+              <a:t>内存优化的建议</a:t>
             </a:r>
             <a:endParaRPr lang="en-US" altLang="zh-CN" dirty="0" smtClean="0"/>
           </a:p>
@@ -6731,20 +7333,12 @@
           <a:p>
             <a:r>
               <a:rPr lang="zh-CN" altLang="en-US" dirty="0" smtClean="0"/>
-              <a:t>对游戏场景中的内存进行分析</a:t>
-            </a:r>
-            <a:endParaRPr lang="en-US" altLang="zh-CN" dirty="0" smtClean="0"/>
-          </a:p>
-          <a:p>
-            <a:r>
-              <a:rPr lang="zh-CN" altLang="en-US" dirty="0"/>
-              <a:t>对</a:t>
+              <a:t>对游戏场景中的内存进行</a:t>
             </a:r>
             <a:r>
               <a:rPr lang="zh-CN" altLang="en-US" dirty="0" smtClean="0"/>
-              <a:t>内存优化提供建议和参考</a:t>
-            </a:r>
-            <a:endParaRPr lang="zh-CN" altLang="en-US" dirty="0"/>
+              <a:t>分析</a:t>
+            </a:r>
           </a:p>
         </p:txBody>
       </p:sp>
@@ -6762,96 +7356,6 @@
 </file>
 
 <file path=ppt/slides/slide3.xml><?xml version="1.0" encoding="utf-8"?>
-<p:sld xmlns:a="http://schemas.openxmlformats.org/drawingml/2006/main" xmlns:r="http://schemas.openxmlformats.org/officeDocument/2006/relationships" xmlns:p="http://schemas.openxmlformats.org/presentationml/2006/main">
-  <p:cSld>
-    <p:spTree>
-      <p:nvGrpSpPr>
-        <p:cNvPr id="1" name=""/>
-        <p:cNvGrpSpPr/>
-        <p:nvPr/>
-      </p:nvGrpSpPr>
-      <p:grpSpPr>
-        <a:xfrm>
-          <a:off x="0" y="0"/>
-          <a:ext cx="0" cy="0"/>
-          <a:chOff x="0" y="0"/>
-          <a:chExt cx="0" cy="0"/>
-        </a:xfrm>
-      </p:grpSpPr>
-      <p:sp>
-        <p:nvSpPr>
-          <p:cNvPr id="2" name="标题 1"/>
-          <p:cNvSpPr>
-            <a:spLocks noGrp="1"/>
-          </p:cNvSpPr>
-          <p:nvPr>
-            <p:ph type="title"/>
-          </p:nvPr>
-        </p:nvSpPr>
-        <p:spPr/>
-        <p:txBody>
-          <a:bodyPr/>
-          <a:lstStyle/>
-          <a:p>
-            <a:r>
-              <a:rPr lang="zh-CN" altLang="en-US" dirty="0" smtClean="0"/>
-              <a:t>内存分类</a:t>
-            </a:r>
-            <a:endParaRPr lang="zh-CN" altLang="en-US" dirty="0"/>
-          </a:p>
-        </p:txBody>
-      </p:sp>
-      <p:pic>
-        <p:nvPicPr>
-          <p:cNvPr id="4" name="内容占位符 3" descr="C:\Users\hzwangchaochen\Desktop\内存管理\0.png"/>
-          <p:cNvPicPr>
-            <a:picLocks noGrp="1"/>
-          </p:cNvPicPr>
-          <p:nvPr>
-            <p:ph idx="1"/>
-          </p:nvPr>
-        </p:nvPicPr>
-        <p:blipFill>
-          <a:blip r:embed="rId2">
-            <a:extLst>
-              <a:ext uri="{28A0092B-C50C-407E-A947-70E740481C1C}">
-                <a14:useLocalDpi xmlns:a14="http://schemas.microsoft.com/office/drawing/2010/main" val="0"/>
-              </a:ext>
-            </a:extLst>
-          </a:blip>
-          <a:srcRect/>
-          <a:stretch>
-            <a:fillRect/>
-          </a:stretch>
-        </p:blipFill>
-        <p:spPr bwMode="auto">
-          <a:xfrm>
-            <a:off x="1979712" y="1600628"/>
-            <a:ext cx="5314286" cy="3628572"/>
-          </a:xfrm>
-          <a:prstGeom prst="rect">
-            <a:avLst/>
-          </a:prstGeom>
-          <a:noFill/>
-          <a:ln>
-            <a:noFill/>
-          </a:ln>
-        </p:spPr>
-      </p:pic>
-    </p:spTree>
-    <p:extLst>
-      <p:ext uri="{BB962C8B-B14F-4D97-AF65-F5344CB8AC3E}">
-        <p14:creationId xmlns:p14="http://schemas.microsoft.com/office/powerpoint/2010/main" val="1329862916"/>
-      </p:ext>
-    </p:extLst>
-  </p:cSld>
-  <p:clrMapOvr>
-    <a:masterClrMapping/>
-  </p:clrMapOvr>
-</p:sld>
-</file>
-
-<file path=ppt/slides/slide4.xml><?xml version="1.0" encoding="utf-8"?>
 <p:sld xmlns:a="http://schemas.openxmlformats.org/drawingml/2006/main" xmlns:r="http://schemas.openxmlformats.org/officeDocument/2006/relationships" xmlns:p="http://schemas.openxmlformats.org/presentationml/2006/main">
   <p:cSld>
     <p:spTree>
@@ -6970,6 +7474,103 @@
   <p:clrMapOvr>
     <a:masterClrMapping/>
   </p:clrMapOvr>
+  <p:timing>
+    <p:tnLst>
+      <p:par>
+        <p:cTn id="1" dur="indefinite" restart="never" nodeType="tmRoot"/>
+      </p:par>
+    </p:tnLst>
+  </p:timing>
+</p:sld>
+</file>
+
+<file path=ppt/slides/slide4.xml><?xml version="1.0" encoding="utf-8"?>
+<p:sld xmlns:a="http://schemas.openxmlformats.org/drawingml/2006/main" xmlns:r="http://schemas.openxmlformats.org/officeDocument/2006/relationships" xmlns:p="http://schemas.openxmlformats.org/presentationml/2006/main">
+  <p:cSld>
+    <p:spTree>
+      <p:nvGrpSpPr>
+        <p:cNvPr id="1" name=""/>
+        <p:cNvGrpSpPr/>
+        <p:nvPr/>
+      </p:nvGrpSpPr>
+      <p:grpSpPr>
+        <a:xfrm>
+          <a:off x="0" y="0"/>
+          <a:ext cx="0" cy="0"/>
+          <a:chOff x="0" y="0"/>
+          <a:chExt cx="0" cy="0"/>
+        </a:xfrm>
+      </p:grpSpPr>
+      <p:pic>
+        <p:nvPicPr>
+          <p:cNvPr id="4" name="内容占位符 3" descr="C:\Users\hzwangchaochen\Desktop\内存管理\142519hudhhsddesh6idcn.jpg"/>
+          <p:cNvPicPr>
+            <a:picLocks noGrp="1"/>
+          </p:cNvPicPr>
+          <p:nvPr>
+            <p:ph idx="1"/>
+          </p:nvPr>
+        </p:nvPicPr>
+        <p:blipFill>
+          <a:blip r:embed="rId3" cstate="print">
+            <a:extLst>
+              <a:ext uri="{28A0092B-C50C-407E-A947-70E740481C1C}">
+                <a14:useLocalDpi xmlns:a14="http://schemas.microsoft.com/office/drawing/2010/main" val="0"/>
+              </a:ext>
+            </a:extLst>
+          </a:blip>
+          <a:srcRect/>
+          <a:stretch>
+            <a:fillRect/>
+          </a:stretch>
+        </p:blipFill>
+        <p:spPr bwMode="auto">
+          <a:xfrm>
+            <a:off x="323528" y="1340768"/>
+            <a:ext cx="8520727" cy="2952328"/>
+          </a:xfrm>
+          <a:prstGeom prst="rect">
+            <a:avLst/>
+          </a:prstGeom>
+          <a:noFill/>
+          <a:ln>
+            <a:noFill/>
+          </a:ln>
+        </p:spPr>
+      </p:pic>
+      <p:sp>
+        <p:nvSpPr>
+          <p:cNvPr id="5" name="标题 1"/>
+          <p:cNvSpPr>
+            <a:spLocks noGrp="1"/>
+          </p:cNvSpPr>
+          <p:nvPr>
+            <p:ph type="title"/>
+          </p:nvPr>
+        </p:nvSpPr>
+        <p:spPr/>
+        <p:txBody>
+          <a:bodyPr/>
+          <a:lstStyle/>
+          <a:p>
+            <a:r>
+              <a:rPr lang="zh-CN" altLang="en-US" dirty="0" smtClean="0"/>
+              <a:t>内存分类</a:t>
+            </a:r>
+            <a:endParaRPr lang="zh-CN" altLang="en-US" dirty="0"/>
+          </a:p>
+        </p:txBody>
+      </p:sp>
+    </p:spTree>
+    <p:extLst>
+      <p:ext uri="{BB962C8B-B14F-4D97-AF65-F5344CB8AC3E}">
+        <p14:creationId xmlns:p14="http://schemas.microsoft.com/office/powerpoint/2010/main" val="3738948538"/>
+      </p:ext>
+    </p:extLst>
+  </p:cSld>
+  <p:clrMapOvr>
+    <a:masterClrMapping/>
+  </p:clrMapOvr>
 </p:sld>
 </file>
 
@@ -6992,12 +7593,12 @@
       </p:grpSpPr>
       <p:sp>
         <p:nvSpPr>
-          <p:cNvPr id="2" name="标题 1"/>
-          <p:cNvSpPr>
-            <a:spLocks noGrp="1"/>
-          </p:cNvSpPr>
-          <p:nvPr>
-            <p:ph type="title"/>
+          <p:cNvPr id="3" name="内容占位符 2"/>
+          <p:cNvSpPr>
+            <a:spLocks noGrp="1"/>
+          </p:cNvSpPr>
+          <p:nvPr>
+            <p:ph idx="1"/>
           </p:nvPr>
         </p:nvSpPr>
         <p:spPr/>
@@ -7006,12 +7607,30 @@
           <a:lstStyle/>
           <a:p>
             <a:r>
-              <a:rPr lang="en-US" altLang="zh-CN" dirty="0" smtClean="0"/>
-              <a:t>Mono</a:t>
-            </a:r>
-            <a:r>
               <a:rPr lang="zh-CN" altLang="en-US" dirty="0" smtClean="0"/>
-              <a:t>内存</a:t>
+              <a:t>新建一个项目</a:t>
+            </a:r>
+            <a:endParaRPr lang="en-US" altLang="zh-CN" dirty="0" smtClean="0"/>
+          </a:p>
+          <a:p>
+            <a:r>
+              <a:rPr lang="zh-CN" altLang="en-US" dirty="0"/>
+              <a:t>项目</a:t>
+            </a:r>
+            <a:r>
+              <a:rPr lang="zh-CN" altLang="en-US" dirty="0" smtClean="0"/>
+              <a:t>中增加若干资源（两种方式）</a:t>
+            </a:r>
+            <a:endParaRPr lang="en-US" altLang="zh-CN" dirty="0" smtClean="0"/>
+          </a:p>
+          <a:p>
+            <a:r>
+              <a:rPr lang="zh-CN" altLang="en-US" dirty="0" smtClean="0"/>
+              <a:t>在脚本中创建</a:t>
+            </a:r>
+            <a:r>
+              <a:rPr lang="en-US" altLang="zh-CN" dirty="0" err="1" smtClean="0"/>
+              <a:t>GameObject</a:t>
             </a:r>
             <a:endParaRPr lang="zh-CN" altLang="en-US" dirty="0"/>
           </a:p>
@@ -7019,166 +7638,31 @@
       </p:sp>
       <p:sp>
         <p:nvSpPr>
-          <p:cNvPr id="3" name="内容占位符 2"/>
-          <p:cNvSpPr>
-            <a:spLocks noGrp="1"/>
-          </p:cNvSpPr>
-          <p:nvPr>
-            <p:ph idx="1"/>
-          </p:nvPr>
-        </p:nvSpPr>
-        <p:spPr>
-          <a:xfrm>
-            <a:off x="683568" y="2204864"/>
-            <a:ext cx="8229600" cy="2337123"/>
-          </a:xfrm>
-        </p:spPr>
-        <p:txBody>
-          <a:bodyPr>
-            <a:normAutofit/>
-          </a:bodyPr>
+          <p:cNvPr id="4" name="标题 1"/>
+          <p:cNvSpPr>
+            <a:spLocks noGrp="1"/>
+          </p:cNvSpPr>
+          <p:nvPr>
+            <p:ph type="title"/>
+          </p:nvPr>
+        </p:nvSpPr>
+        <p:spPr/>
+        <p:txBody>
+          <a:bodyPr/>
           <a:lstStyle/>
           <a:p>
             <a:r>
               <a:rPr lang="zh-CN" altLang="en-US" dirty="0" smtClean="0"/>
-              <a:t>已用内存和堆内存</a:t>
-            </a:r>
-            <a:endParaRPr lang="en-US" altLang="zh-CN" dirty="0" smtClean="0"/>
-          </a:p>
-          <a:p>
-            <a:pPr lvl="1"/>
-            <a:r>
-              <a:rPr lang="zh-CN" altLang="en-US" dirty="0"/>
-              <a:t>已用内存指的是</a:t>
-            </a:r>
-            <a:r>
-              <a:rPr lang="en-US" altLang="zh-CN" dirty="0"/>
-              <a:t>mono</a:t>
-            </a:r>
-            <a:r>
-              <a:rPr lang="zh-CN" altLang="en-US" dirty="0"/>
-              <a:t>实际需要使用的</a:t>
-            </a:r>
-            <a:r>
-              <a:rPr lang="zh-CN" altLang="en-US" dirty="0" smtClean="0"/>
-              <a:t>内存</a:t>
-            </a:r>
-            <a:endParaRPr lang="en-US" altLang="zh-CN" dirty="0" smtClean="0"/>
-          </a:p>
-          <a:p>
-            <a:pPr lvl="1"/>
-            <a:r>
-              <a:rPr lang="zh-CN" altLang="en-US" dirty="0" smtClean="0"/>
-              <a:t>堆</a:t>
-            </a:r>
-            <a:r>
-              <a:rPr lang="zh-CN" altLang="en-US" dirty="0"/>
-              <a:t>内存指的是</a:t>
-            </a:r>
-            <a:r>
-              <a:rPr lang="en-US" altLang="zh-CN" dirty="0"/>
-              <a:t>mono</a:t>
-            </a:r>
-            <a:r>
-              <a:rPr lang="zh-CN" altLang="en-US" dirty="0"/>
-              <a:t>向操作系统申请的</a:t>
-            </a:r>
-            <a:r>
-              <a:rPr lang="zh-CN" altLang="en-US" dirty="0" smtClean="0"/>
-              <a:t>内存</a:t>
-            </a:r>
-            <a:endParaRPr lang="en-US" altLang="zh-CN" dirty="0" smtClean="0"/>
-          </a:p>
-          <a:p>
-            <a:pPr lvl="1"/>
-            <a:r>
-              <a:rPr lang="zh-CN" altLang="en-US" dirty="0"/>
-              <a:t>两者的差值就是</a:t>
-            </a:r>
-            <a:r>
-              <a:rPr lang="en-US" altLang="zh-CN" dirty="0"/>
-              <a:t>mono</a:t>
-            </a:r>
-            <a:r>
-              <a:rPr lang="zh-CN" altLang="en-US" dirty="0"/>
-              <a:t>的空闲</a:t>
-            </a:r>
-            <a:r>
-              <a:rPr lang="zh-CN" altLang="en-US" dirty="0" smtClean="0"/>
-              <a:t>内存</a:t>
-            </a:r>
-            <a:endParaRPr lang="en-US" altLang="zh-CN" dirty="0" smtClean="0"/>
-          </a:p>
-        </p:txBody>
-      </p:sp>
-      <p:pic>
-        <p:nvPicPr>
-          <p:cNvPr id="1026" name="Picture 2"/>
-          <p:cNvPicPr>
-            <a:picLocks noChangeAspect="1" noChangeArrowheads="1"/>
-          </p:cNvPicPr>
-          <p:nvPr/>
-        </p:nvPicPr>
-        <p:blipFill>
-          <a:blip r:embed="rId2">
-            <a:extLst>
-              <a:ext uri="{28A0092B-C50C-407E-A947-70E740481C1C}">
-                <a14:useLocalDpi xmlns:a14="http://schemas.microsoft.com/office/drawing/2010/main" val="0"/>
-              </a:ext>
-            </a:extLst>
-          </a:blip>
-          <a:srcRect/>
-          <a:stretch>
-            <a:fillRect/>
-          </a:stretch>
-        </p:blipFill>
-        <p:spPr bwMode="auto">
-          <a:xfrm>
-            <a:off x="1104900" y="1412776"/>
-            <a:ext cx="6934200" cy="571500"/>
-          </a:xfrm>
-          <a:prstGeom prst="rect">
-            <a:avLst/>
-          </a:prstGeom>
-          <a:noFill/>
-          <a:ln>
-            <a:noFill/>
-          </a:ln>
-          <a:effectLst/>
-          <a:extLst>
-            <a:ext uri="{909E8E84-426E-40DD-AFC4-6F175D3DCCD1}">
-              <a14:hiddenFill xmlns:a14="http://schemas.microsoft.com/office/drawing/2010/main">
-                <a:solidFill>
-                  <a:schemeClr val="accent1"/>
-                </a:solidFill>
-              </a14:hiddenFill>
-            </a:ext>
-            <a:ext uri="{91240B29-F687-4F45-9708-019B960494DF}">
-              <a14:hiddenLine xmlns:a14="http://schemas.microsoft.com/office/drawing/2010/main" w="9525">
-                <a:solidFill>
-                  <a:schemeClr val="tx1"/>
-                </a:solidFill>
-                <a:miter lim="800000"/>
-                <a:headEnd/>
-                <a:tailEnd/>
-              </a14:hiddenLine>
-            </a:ext>
-            <a:ext uri="{AF507438-7753-43E0-B8FC-AC1667EBCBE1}">
-              <a14:hiddenEffects xmlns:a14="http://schemas.microsoft.com/office/drawing/2010/main">
-                <a:effectLst>
-                  <a:outerShdw dist="35921" dir="2700000" algn="ctr" rotWithShape="0">
-                    <a:schemeClr val="bg2"/>
-                  </a:outerShdw>
-                </a:effectLst>
-              </a14:hiddenEffects>
-            </a:ext>
-          </a:extLst>
-        </p:spPr>
-      </p:pic>
+              <a:t>内存分类</a:t>
+            </a:r>
+            <a:endParaRPr lang="zh-CN" altLang="en-US" dirty="0"/>
+          </a:p>
+        </p:txBody>
+      </p:sp>
     </p:spTree>
     <p:extLst>
       <p:ext uri="{BB962C8B-B14F-4D97-AF65-F5344CB8AC3E}">
-        <p14:creationId xmlns:p14="http://schemas.microsoft.com/office/powerpoint/2010/main" val="605519231"/>
+        <p14:creationId xmlns:p14="http://schemas.microsoft.com/office/powerpoint/2010/main" val="2062475308"/>
       </p:ext>
     </p:extLst>
   </p:cSld>
@@ -7205,278 +7689,148 @@
           <a:chExt cx="0" cy="0"/>
         </a:xfrm>
       </p:grpSpPr>
-      <p:pic>
-        <p:nvPicPr>
-          <p:cNvPr id="4" name="内容占位符 3" descr="C:\Users\hzwangchaochen\Desktop\内存管理\1.png"/>
-          <p:cNvPicPr>
-            <a:picLocks noGrp="1"/>
-          </p:cNvPicPr>
+      <p:sp>
+        <p:nvSpPr>
+          <p:cNvPr id="2" name="标题 1"/>
+          <p:cNvSpPr>
+            <a:spLocks noGrp="1"/>
+          </p:cNvSpPr>
+          <p:nvPr>
+            <p:ph type="title"/>
+          </p:nvPr>
+        </p:nvSpPr>
+        <p:spPr/>
+        <p:txBody>
+          <a:bodyPr/>
+          <a:lstStyle/>
+          <a:p>
+            <a:r>
+              <a:rPr lang="zh-CN" altLang="en-US" dirty="0" smtClean="0"/>
+              <a:t>内存优化建议</a:t>
+            </a:r>
+            <a:endParaRPr lang="zh-CN" altLang="en-US" dirty="0"/>
+          </a:p>
+        </p:txBody>
+      </p:sp>
+      <p:sp>
+        <p:nvSpPr>
+          <p:cNvPr id="3" name="内容占位符 2"/>
+          <p:cNvSpPr>
+            <a:spLocks noGrp="1"/>
+          </p:cNvSpPr>
           <p:nvPr>
             <p:ph idx="1"/>
           </p:nvPr>
-        </p:nvPicPr>
-        <p:blipFill>
-          <a:blip r:embed="rId2">
-            <a:extLst>
-              <a:ext uri="{28A0092B-C50C-407E-A947-70E740481C1C}">
-                <a14:useLocalDpi xmlns:a14="http://schemas.microsoft.com/office/drawing/2010/main" val="0"/>
-              </a:ext>
-            </a:extLst>
-          </a:blip>
-          <a:srcRect/>
-          <a:stretch>
-            <a:fillRect/>
-          </a:stretch>
-        </p:blipFill>
-        <p:spPr bwMode="auto">
-          <a:xfrm>
-            <a:off x="2339752" y="116632"/>
-            <a:ext cx="3876191" cy="3647619"/>
-          </a:xfrm>
-          <a:prstGeom prst="rect">
-            <a:avLst/>
-          </a:prstGeom>
-          <a:noFill/>
-          <a:ln>
-            <a:noFill/>
-          </a:ln>
-        </p:spPr>
-      </p:pic>
-      <p:sp>
-        <p:nvSpPr>
-          <p:cNvPr id="6" name="内容占位符 2"/>
-          <p:cNvSpPr txBox="1">
-            <a:spLocks/>
-          </p:cNvSpPr>
-          <p:nvPr/>
-        </p:nvSpPr>
-        <p:spPr>
-          <a:xfrm>
-            <a:off x="539552" y="4077072"/>
-            <a:ext cx="8229600" cy="2049091"/>
-          </a:xfrm>
-          <a:prstGeom prst="rect">
-            <a:avLst/>
-          </a:prstGeom>
-        </p:spPr>
-        <p:txBody>
-          <a:bodyPr vert="horz" lIns="91440" tIns="45720" rIns="91440" bIns="45720" rtlCol="0">
-            <a:normAutofit fontScale="77500" lnSpcReduction="20000"/>
+        </p:nvSpPr>
+        <p:spPr/>
+        <p:txBody>
+          <a:bodyPr>
+            <a:normAutofit/>
           </a:bodyPr>
-          <a:lstStyle>
-            <a:lvl1pPr marL="342900" indent="-342900" algn="l" defTabSz="914400" rtl="0" eaLnBrk="1" latinLnBrk="0" hangingPunct="1">
-              <a:spcBef>
-                <a:spcPct val="20000"/>
-              </a:spcBef>
-              <a:buFont typeface="Arial" pitchFamily="34" charset="0"/>
-              <a:buChar char="•"/>
-              <a:defRPr sz="3200" kern="1200">
-                <a:solidFill>
-                  <a:schemeClr val="tx1"/>
-                </a:solidFill>
-                <a:latin typeface="+mn-lt"/>
-                <a:ea typeface="+mn-ea"/>
-                <a:cs typeface="+mn-cs"/>
-              </a:defRPr>
-            </a:lvl1pPr>
-            <a:lvl2pPr marL="742950" indent="-285750" algn="l" defTabSz="914400" rtl="0" eaLnBrk="1" latinLnBrk="0" hangingPunct="1">
-              <a:spcBef>
-                <a:spcPct val="20000"/>
-              </a:spcBef>
-              <a:buFont typeface="Arial" pitchFamily="34" charset="0"/>
-              <a:buChar char="–"/>
-              <a:defRPr sz="2800" kern="1200">
-                <a:solidFill>
-                  <a:schemeClr val="tx1"/>
-                </a:solidFill>
-                <a:latin typeface="+mn-lt"/>
-                <a:ea typeface="+mn-ea"/>
-                <a:cs typeface="+mn-cs"/>
-              </a:defRPr>
-            </a:lvl2pPr>
-            <a:lvl3pPr marL="1143000" indent="-228600" algn="l" defTabSz="914400" rtl="0" eaLnBrk="1" latinLnBrk="0" hangingPunct="1">
-              <a:spcBef>
-                <a:spcPct val="20000"/>
-              </a:spcBef>
-              <a:buFont typeface="Arial" pitchFamily="34" charset="0"/>
-              <a:buChar char="•"/>
-              <a:defRPr sz="2400" kern="1200">
-                <a:solidFill>
-                  <a:schemeClr val="tx1"/>
-                </a:solidFill>
-                <a:latin typeface="+mn-lt"/>
-                <a:ea typeface="+mn-ea"/>
-                <a:cs typeface="+mn-cs"/>
-              </a:defRPr>
-            </a:lvl3pPr>
-            <a:lvl4pPr marL="1600200" indent="-228600" algn="l" defTabSz="914400" rtl="0" eaLnBrk="1" latinLnBrk="0" hangingPunct="1">
-              <a:spcBef>
-                <a:spcPct val="20000"/>
-              </a:spcBef>
-              <a:buFont typeface="Arial" pitchFamily="34" charset="0"/>
-              <a:buChar char="–"/>
-              <a:defRPr sz="2000" kern="1200">
-                <a:solidFill>
-                  <a:schemeClr val="tx1"/>
-                </a:solidFill>
-                <a:latin typeface="+mn-lt"/>
-                <a:ea typeface="+mn-ea"/>
-                <a:cs typeface="+mn-cs"/>
-              </a:defRPr>
-            </a:lvl4pPr>
-            <a:lvl5pPr marL="2057400" indent="-228600" algn="l" defTabSz="914400" rtl="0" eaLnBrk="1" latinLnBrk="0" hangingPunct="1">
-              <a:spcBef>
-                <a:spcPct val="20000"/>
-              </a:spcBef>
-              <a:buFont typeface="Arial" pitchFamily="34" charset="0"/>
-              <a:buChar char="»"/>
-              <a:defRPr sz="2000" kern="1200">
-                <a:solidFill>
-                  <a:schemeClr val="tx1"/>
-                </a:solidFill>
-                <a:latin typeface="+mn-lt"/>
-                <a:ea typeface="+mn-ea"/>
-                <a:cs typeface="+mn-cs"/>
-              </a:defRPr>
-            </a:lvl5pPr>
-            <a:lvl6pPr marL="2514600" indent="-228600" algn="l" defTabSz="914400" rtl="0" eaLnBrk="1" latinLnBrk="0" hangingPunct="1">
-              <a:spcBef>
-                <a:spcPct val="20000"/>
-              </a:spcBef>
-              <a:buFont typeface="Arial" pitchFamily="34" charset="0"/>
-              <a:buChar char="•"/>
-              <a:defRPr sz="2000" kern="1200">
-                <a:solidFill>
-                  <a:schemeClr val="tx1"/>
-                </a:solidFill>
-                <a:latin typeface="+mn-lt"/>
-                <a:ea typeface="+mn-ea"/>
-                <a:cs typeface="+mn-cs"/>
-              </a:defRPr>
-            </a:lvl6pPr>
-            <a:lvl7pPr marL="2971800" indent="-228600" algn="l" defTabSz="914400" rtl="0" eaLnBrk="1" latinLnBrk="0" hangingPunct="1">
-              <a:spcBef>
-                <a:spcPct val="20000"/>
-              </a:spcBef>
-              <a:buFont typeface="Arial" pitchFamily="34" charset="0"/>
-              <a:buChar char="•"/>
-              <a:defRPr sz="2000" kern="1200">
-                <a:solidFill>
-                  <a:schemeClr val="tx1"/>
-                </a:solidFill>
-                <a:latin typeface="+mn-lt"/>
-                <a:ea typeface="+mn-ea"/>
-                <a:cs typeface="+mn-cs"/>
-              </a:defRPr>
-            </a:lvl7pPr>
-            <a:lvl8pPr marL="3429000" indent="-228600" algn="l" defTabSz="914400" rtl="0" eaLnBrk="1" latinLnBrk="0" hangingPunct="1">
-              <a:spcBef>
-                <a:spcPct val="20000"/>
-              </a:spcBef>
-              <a:buFont typeface="Arial" pitchFamily="34" charset="0"/>
-              <a:buChar char="•"/>
-              <a:defRPr sz="2000" kern="1200">
-                <a:solidFill>
-                  <a:schemeClr val="tx1"/>
-                </a:solidFill>
-                <a:latin typeface="+mn-lt"/>
-                <a:ea typeface="+mn-ea"/>
-                <a:cs typeface="+mn-cs"/>
-              </a:defRPr>
-            </a:lvl8pPr>
-            <a:lvl9pPr marL="3886200" indent="-228600" algn="l" defTabSz="914400" rtl="0" eaLnBrk="1" latinLnBrk="0" hangingPunct="1">
-              <a:spcBef>
-                <a:spcPct val="20000"/>
-              </a:spcBef>
-              <a:buFont typeface="Arial" pitchFamily="34" charset="0"/>
-              <a:buChar char="•"/>
-              <a:defRPr sz="2000" kern="1200">
-                <a:solidFill>
-                  <a:schemeClr val="tx1"/>
-                </a:solidFill>
-                <a:latin typeface="+mn-lt"/>
-                <a:ea typeface="+mn-ea"/>
-                <a:cs typeface="+mn-cs"/>
-              </a:defRPr>
-            </a:lvl9pPr>
-          </a:lstStyle>
-          <a:p>
-            <a:r>
-              <a:rPr lang="zh-CN" altLang="en-US" dirty="0"/>
-              <a:t>分配方式</a:t>
-            </a:r>
-            <a:endParaRPr lang="en-US" altLang="zh-CN" dirty="0"/>
+          <a:lstStyle/>
+          <a:p>
+            <a:r>
+              <a:rPr lang="zh-CN" altLang="en-US" sz="2400" dirty="0" smtClean="0"/>
+              <a:t>程序代码</a:t>
+            </a:r>
+            <a:endParaRPr lang="en-US" altLang="zh-CN" sz="2400" dirty="0" smtClean="0"/>
           </a:p>
           <a:p>
             <a:pPr lvl="1"/>
             <a:r>
-              <a:rPr lang="zh-CN" altLang="en-US" dirty="0"/>
-              <a:t>空闲内存是否足够，如果足够的话，直接在空闲内存中分配，</a:t>
-            </a:r>
-            <a:endParaRPr lang="en-US" altLang="zh-CN" dirty="0"/>
+              <a:rPr lang="zh-CN" altLang="en-US" sz="2000" dirty="0" smtClean="0"/>
+              <a:t>减少</a:t>
+            </a:r>
+            <a:r>
+              <a:rPr lang="zh-CN" altLang="en-US" sz="2000" dirty="0"/>
+              <a:t>打包时的引用</a:t>
+            </a:r>
+            <a:r>
+              <a:rPr lang="zh-CN" altLang="en-US" sz="2000" dirty="0" smtClean="0"/>
+              <a:t>库</a:t>
+            </a:r>
+            <a:endParaRPr lang="en-US" altLang="zh-CN" sz="2000" dirty="0" smtClean="0"/>
           </a:p>
           <a:p>
             <a:pPr lvl="1"/>
             <a:r>
-              <a:rPr lang="zh-CN" altLang="en-US" dirty="0"/>
-              <a:t>否则</a:t>
-            </a:r>
-            <a:r>
-              <a:rPr lang="en-US" altLang="zh-CN" dirty="0"/>
-              <a:t>mono</a:t>
-            </a:r>
-            <a:r>
-              <a:rPr lang="zh-CN" altLang="en-US" dirty="0"/>
-              <a:t>会进行一</a:t>
-            </a:r>
-            <a:r>
-              <a:rPr lang="zh-CN" altLang="en-US" sz="3200" dirty="0"/>
-              <a:t>次</a:t>
-            </a:r>
-            <a:r>
-              <a:rPr lang="en-US" altLang="zh-CN" dirty="0"/>
-              <a:t>GC</a:t>
-            </a:r>
-            <a:r>
-              <a:rPr lang="zh-CN" altLang="en-US" dirty="0"/>
-              <a:t>以释放更多的空闲</a:t>
-            </a:r>
-            <a:r>
-              <a:rPr lang="zh-CN" altLang="en-US" dirty="0" smtClean="0"/>
+              <a:rPr lang="zh-CN" altLang="en-US" sz="2000" dirty="0" smtClean="0"/>
+              <a:t>改</a:t>
+            </a:r>
+            <a:r>
+              <a:rPr lang="en-US" altLang="zh-CN" sz="2000" dirty="0"/>
+              <a:t>build</a:t>
+            </a:r>
+            <a:r>
+              <a:rPr lang="zh-CN" altLang="en-US" sz="2000" dirty="0" smtClean="0"/>
+              <a:t>设置</a:t>
+            </a:r>
+            <a:endParaRPr lang="en-US" altLang="zh-CN" sz="2000" dirty="0" smtClean="0"/>
+          </a:p>
+          <a:p>
+            <a:pPr lvl="1"/>
+            <a:endParaRPr lang="en-US" altLang="zh-CN" sz="2000" dirty="0"/>
+          </a:p>
+          <a:p>
+            <a:r>
+              <a:rPr lang="en-US" altLang="zh-CN" sz="2400" dirty="0" smtClean="0"/>
+              <a:t>Mono</a:t>
+            </a:r>
+            <a:r>
+              <a:rPr lang="zh-CN" altLang="en-US" sz="2400" dirty="0" smtClean="0"/>
               <a:t>内存</a:t>
             </a:r>
-            <a:endParaRPr lang="en-US" altLang="zh-CN" dirty="0"/>
+            <a:endParaRPr lang="en-US" altLang="zh-CN" sz="2400" dirty="0" smtClean="0"/>
           </a:p>
           <a:p>
             <a:pPr lvl="1"/>
             <a:r>
-              <a:rPr lang="zh-CN" altLang="en-US" dirty="0"/>
-              <a:t>如果</a:t>
-            </a:r>
-            <a:r>
-              <a:rPr lang="en-US" altLang="zh-CN" dirty="0"/>
-              <a:t>GC</a:t>
-            </a:r>
-            <a:r>
-              <a:rPr lang="zh-CN" altLang="en-US" dirty="0"/>
-              <a:t>之后仍然没有足够的空闲内存，则</a:t>
-            </a:r>
-            <a:r>
-              <a:rPr lang="en-US" altLang="zh-CN" dirty="0"/>
-              <a:t>mono</a:t>
-            </a:r>
-            <a:r>
-              <a:rPr lang="zh-CN" altLang="en-US" dirty="0"/>
-              <a:t>会向操作系统申请内存，并扩充堆内存</a:t>
-            </a:r>
-            <a:endParaRPr lang="en-US" altLang="zh-CN" dirty="0"/>
+              <a:rPr lang="zh-CN" altLang="en-US" sz="2000" dirty="0" smtClean="0"/>
+              <a:t>尽可能早的将不需要的引用去掉</a:t>
+            </a:r>
+            <a:endParaRPr lang="en-US" altLang="zh-CN" sz="2000" dirty="0" smtClean="0"/>
+          </a:p>
+          <a:p>
+            <a:pPr lvl="1"/>
+            <a:r>
+              <a:rPr lang="zh-CN" altLang="en-US" sz="2000" dirty="0"/>
+              <a:t>尽量减少对</a:t>
+            </a:r>
+            <a:r>
+              <a:rPr lang="en-US" altLang="zh-CN" sz="2000" dirty="0" err="1"/>
+              <a:t>GameObject</a:t>
+            </a:r>
+            <a:r>
+              <a:rPr lang="zh-CN" altLang="en-US" sz="2000" dirty="0"/>
+              <a:t>的</a:t>
+            </a:r>
+            <a:r>
+              <a:rPr lang="en-US" altLang="zh-CN" sz="2000" dirty="0"/>
+              <a:t>Instantiate()</a:t>
+            </a:r>
+            <a:r>
+              <a:rPr lang="zh-CN" altLang="en-US" sz="2000" dirty="0"/>
+              <a:t>和</a:t>
+            </a:r>
+            <a:r>
+              <a:rPr lang="en-US" altLang="zh-CN" sz="2000" dirty="0" smtClean="0"/>
+              <a:t>Destroy()</a:t>
+            </a:r>
+            <a:r>
+              <a:rPr lang="zh-CN" altLang="en-US" sz="2000" dirty="0" smtClean="0"/>
+              <a:t>调用</a:t>
+            </a:r>
+            <a:endParaRPr lang="en-US" altLang="zh-CN" sz="2000" dirty="0" smtClean="0"/>
+          </a:p>
+          <a:p>
+            <a:endParaRPr lang="zh-CN" altLang="en-US" sz="2400" dirty="0"/>
           </a:p>
         </p:txBody>
       </p:sp>
     </p:spTree>
     <p:extLst>
       <p:ext uri="{BB962C8B-B14F-4D97-AF65-F5344CB8AC3E}">
-        <p14:creationId xmlns:p14="http://schemas.microsoft.com/office/powerpoint/2010/main" val="3436892012"/>
+        <p14:creationId xmlns:p14="http://schemas.microsoft.com/office/powerpoint/2010/main" val="1435028539"/>
       </p:ext>
     </p:extLst>
   </p:cSld>
@@ -7518,89 +7872,132 @@
           <a:bodyPr/>
           <a:lstStyle/>
           <a:p>
-            <a:r>
-              <a:rPr lang="zh-CN" altLang="en-US" dirty="0" smtClean="0"/>
-              <a:t>获取内存的方式</a:t>
+            <a:endParaRPr lang="zh-CN" altLang="en-US"/>
+          </a:p>
+        </p:txBody>
+      </p:sp>
+      <p:sp>
+        <p:nvSpPr>
+          <p:cNvPr id="3" name="内容占位符 2"/>
+          <p:cNvSpPr>
+            <a:spLocks noGrp="1"/>
+          </p:cNvSpPr>
+          <p:nvPr>
+            <p:ph idx="1"/>
+          </p:nvPr>
+        </p:nvSpPr>
+        <p:spPr/>
+        <p:txBody>
+          <a:bodyPr>
+            <a:normAutofit fontScale="77500" lnSpcReduction="20000"/>
+          </a:bodyPr>
+          <a:lstStyle/>
+          <a:p>
+            <a:r>
+              <a:rPr lang="en-US" altLang="zh-CN" dirty="0"/>
+              <a:t>1</a:t>
+            </a:r>
+            <a:r>
+              <a:rPr lang="zh-CN" altLang="en-US" dirty="0"/>
+              <a:t>、程序代码：基本没有办法管理，从一开始一直存在到最后。减少使用的库可以减少这块的内存占用。</a:t>
+            </a:r>
+            <a:endParaRPr lang="en-US" altLang="zh-CN" dirty="0"/>
+          </a:p>
+          <a:p>
+            <a:r>
+              <a:rPr lang="en-US" altLang="zh-CN" dirty="0"/>
+              <a:t>2</a:t>
+            </a:r>
+            <a:r>
+              <a:rPr lang="zh-CN" altLang="en-US" dirty="0"/>
+              <a:t>、</a:t>
+            </a:r>
+            <a:r>
+              <a:rPr lang="en-US" altLang="zh-CN" dirty="0" err="1"/>
+              <a:t>.net</a:t>
+            </a:r>
+            <a:r>
+              <a:rPr lang="zh-CN" altLang="en-US" dirty="0"/>
+              <a:t>框架的一种实现。</a:t>
+            </a:r>
+            <a:r>
+              <a:rPr lang="en-US" altLang="zh-CN" dirty="0"/>
+              <a:t>Mono</a:t>
+            </a:r>
+            <a:r>
+              <a:rPr lang="zh-CN" altLang="en-US" dirty="0"/>
+              <a:t>会</a:t>
+            </a:r>
+            <a:r>
+              <a:rPr lang="zh-CN" altLang="zh-CN" b="1" dirty="0"/>
+              <a:t>自动地改变堆的大小来适应你所需要的内存，并且定时地使用垃圾回收（</a:t>
+            </a:r>
+            <a:r>
+              <a:rPr lang="en-US" altLang="zh-CN" b="1" dirty="0"/>
+              <a:t>Garbage Collect</a:t>
+            </a:r>
+            <a:r>
+              <a:rPr lang="zh-CN" altLang="zh-CN" b="1" dirty="0"/>
+              <a:t>）来释放已经不需要的内存。关键在于，有时候你会忘记清除对已经不需要再使用的内存的引用，从而导致</a:t>
+            </a:r>
+            <a:r>
+              <a:rPr lang="en-US" altLang="zh-CN" b="1" dirty="0"/>
+              <a:t>Mono</a:t>
+            </a:r>
+            <a:r>
+              <a:rPr lang="zh-CN" altLang="zh-CN" b="1" dirty="0"/>
+              <a:t>认为这块内存一直有用，而无法回收。</a:t>
+            </a:r>
+            <a:endParaRPr lang="en-US" altLang="zh-CN" dirty="0"/>
+          </a:p>
+          <a:p>
+            <a:r>
+              <a:rPr lang="en-US" altLang="zh-CN" dirty="0"/>
+              <a:t>3</a:t>
+            </a:r>
+            <a:r>
+              <a:rPr lang="zh-CN" altLang="en-US" dirty="0"/>
+              <a:t>、</a:t>
+            </a:r>
+            <a:r>
+              <a:rPr lang="zh-CN" altLang="zh-CN" b="1" dirty="0"/>
+              <a:t>自动加载资源</a:t>
+            </a:r>
+            <a:r>
+              <a:rPr lang="zh-CN" altLang="en-US" b="1" dirty="0"/>
+              <a:t>，</a:t>
+            </a:r>
+            <a:r>
+              <a:rPr lang="zh-CN" altLang="zh-CN" b="1" dirty="0"/>
+              <a:t>开发者失去了手动管理所有加载资源的权力，这非常容易导致大量的内存占用（贴图什么的你懂的），也是</a:t>
+            </a:r>
+            <a:r>
+              <a:rPr lang="en-US" altLang="zh-CN" b="1" dirty="0"/>
+              <a:t>Unity</a:t>
+            </a:r>
+            <a:r>
+              <a:rPr lang="zh-CN" altLang="zh-CN" b="1" dirty="0"/>
+              <a:t>给人留下</a:t>
+            </a:r>
+            <a:r>
+              <a:rPr lang="en-US" altLang="zh-CN" b="1" dirty="0"/>
+              <a:t>“</a:t>
+            </a:r>
+            <a:r>
+              <a:rPr lang="zh-CN" altLang="zh-CN" b="1" dirty="0"/>
+              <a:t>吃内存</a:t>
+            </a:r>
+            <a:r>
+              <a:rPr lang="en-US" altLang="zh-CN" b="1" dirty="0"/>
+              <a:t>”</a:t>
+            </a:r>
+            <a:r>
+              <a:rPr lang="zh-CN" altLang="zh-CN" b="1" dirty="0"/>
+              <a:t>印象的罪魁祸首。</a:t>
             </a:r>
             <a:endParaRPr lang="zh-CN" altLang="en-US" dirty="0"/>
           </a:p>
-        </p:txBody>
-      </p:sp>
-      <p:sp>
-        <p:nvSpPr>
-          <p:cNvPr id="3" name="内容占位符 2"/>
-          <p:cNvSpPr>
-            <a:spLocks noGrp="1"/>
-          </p:cNvSpPr>
-          <p:nvPr>
-            <p:ph idx="1"/>
-          </p:nvPr>
-        </p:nvSpPr>
-        <p:spPr/>
-        <p:txBody>
-          <a:bodyPr/>
-          <a:lstStyle/>
-          <a:p>
-            <a:r>
-              <a:rPr lang="zh-CN" altLang="en-US" dirty="0" smtClean="0"/>
-              <a:t>已有软件（</a:t>
-            </a:r>
-            <a:r>
-              <a:rPr lang="en-US" altLang="zh-CN" dirty="0" err="1" smtClean="0"/>
-              <a:t>Emmagee</a:t>
-            </a:r>
-            <a:r>
-              <a:rPr lang="zh-CN" altLang="en-US" dirty="0" smtClean="0"/>
-              <a:t>、</a:t>
-            </a:r>
-            <a:r>
-              <a:rPr lang="en-US" altLang="zh-CN" dirty="0" err="1" smtClean="0"/>
-              <a:t>WeTest</a:t>
-            </a:r>
-            <a:r>
-              <a:rPr lang="zh-CN" altLang="en-US" dirty="0" smtClean="0"/>
-              <a:t>等）</a:t>
-            </a:r>
-            <a:endParaRPr lang="en-US" altLang="zh-CN" dirty="0" smtClean="0"/>
-          </a:p>
-          <a:p>
-            <a:r>
-              <a:rPr lang="en-US" altLang="zh-CN" dirty="0" smtClean="0"/>
-              <a:t>ADB</a:t>
-            </a:r>
-            <a:r>
-              <a:rPr lang="zh-CN" altLang="en-US" dirty="0" smtClean="0"/>
-              <a:t>（</a:t>
-            </a:r>
-            <a:r>
-              <a:rPr lang="en-US" altLang="zh-CN" dirty="0" smtClean="0"/>
-              <a:t>Android </a:t>
-            </a:r>
-            <a:r>
-              <a:rPr lang="en-US" altLang="zh-CN" dirty="0" err="1" smtClean="0"/>
-              <a:t>Dubug</a:t>
-            </a:r>
-            <a:r>
-              <a:rPr lang="en-US" altLang="zh-CN" dirty="0" smtClean="0"/>
-              <a:t> Bridge</a:t>
-            </a:r>
-            <a:r>
-              <a:rPr lang="zh-CN" altLang="en-US" dirty="0" smtClean="0"/>
-              <a:t>）</a:t>
-            </a:r>
-            <a:endParaRPr lang="en-US" altLang="zh-CN" dirty="0" smtClean="0"/>
-          </a:p>
-          <a:p>
-            <a:r>
-              <a:rPr lang="en-US" altLang="zh-CN" dirty="0" smtClean="0"/>
-              <a:t>IOS Instrument</a:t>
-            </a:r>
-          </a:p>
-          <a:p>
-            <a:r>
-              <a:rPr lang="en-US" altLang="zh-CN" dirty="0" smtClean="0"/>
-              <a:t>Unity Profiler</a:t>
-            </a:r>
+          <a:p>
             <a:endParaRPr lang="zh-CN" altLang="en-US" dirty="0"/>
           </a:p>
         </p:txBody>
@@ -7608,7 +8005,7 @@
     </p:spTree>
     <p:extLst>
       <p:ext uri="{BB962C8B-B14F-4D97-AF65-F5344CB8AC3E}">
-        <p14:creationId xmlns:p14="http://schemas.microsoft.com/office/powerpoint/2010/main" val="1089717851"/>
+        <p14:creationId xmlns:p14="http://schemas.microsoft.com/office/powerpoint/2010/main" val="1462495430"/>
       </p:ext>
     </p:extLst>
   </p:cSld>
@@ -7642,36 +8039,15 @@
           <a:chExt cx="0" cy="0"/>
         </a:xfrm>
       </p:grpSpPr>
-      <p:sp>
-        <p:nvSpPr>
-          <p:cNvPr id="2" name="标题 1"/>
-          <p:cNvSpPr>
-            <a:spLocks noGrp="1"/>
-          </p:cNvSpPr>
-          <p:nvPr>
-            <p:ph type="title"/>
-          </p:nvPr>
-        </p:nvSpPr>
-        <p:spPr/>
-        <p:txBody>
-          <a:bodyPr/>
-          <a:lstStyle/>
-          <a:p>
-            <a:r>
-              <a:rPr lang="en-US" altLang="zh-CN" dirty="0" smtClean="0"/>
-              <a:t>Unity Profiler</a:t>
-            </a:r>
-            <a:endParaRPr lang="zh-CN" altLang="en-US" dirty="0"/>
-          </a:p>
-        </p:txBody>
-      </p:sp>
       <p:pic>
         <p:nvPicPr>
-          <p:cNvPr id="2050" name="Picture 2"/>
+          <p:cNvPr id="4" name="内容占位符 3" descr="C:\Users\hzwangchaochen\Desktop\内存管理\1.png"/>
           <p:cNvPicPr>
-            <a:picLocks noChangeAspect="1" noChangeArrowheads="1"/>
+            <a:picLocks noGrp="1"/>
           </p:cNvPicPr>
-          <p:nvPr/>
+          <p:nvPr>
+            <p:ph idx="1"/>
+          </p:nvPr>
         </p:nvPicPr>
         <p:blipFill>
           <a:blip r:embed="rId2">
@@ -7688,8 +8064,8 @@
         </p:blipFill>
         <p:spPr bwMode="auto">
           <a:xfrm>
-            <a:off x="0" y="1268760"/>
-            <a:ext cx="9144000" cy="4050656"/>
+            <a:off x="2339752" y="116632"/>
+            <a:ext cx="3876191" cy="3647619"/>
           </a:xfrm>
           <a:prstGeom prst="rect">
             <a:avLst/>
@@ -7698,54 +8074,249 @@
           <a:ln>
             <a:noFill/>
           </a:ln>
-          <a:effectLst/>
-          <a:extLst>
-            <a:ext uri="{909E8E84-426E-40DD-AFC4-6F175D3DCCD1}">
-              <a14:hiddenFill xmlns:a14="http://schemas.microsoft.com/office/drawing/2010/main">
-                <a:solidFill>
-                  <a:schemeClr val="accent1"/>
-                </a:solidFill>
-              </a14:hiddenFill>
-            </a:ext>
-            <a:ext uri="{91240B29-F687-4F45-9708-019B960494DF}">
-              <a14:hiddenLine xmlns:a14="http://schemas.microsoft.com/office/drawing/2010/main" w="9525">
-                <a:solidFill>
-                  <a:schemeClr val="tx1"/>
-                </a:solidFill>
-                <a:miter lim="800000"/>
-                <a:headEnd/>
-                <a:tailEnd/>
-              </a14:hiddenLine>
-            </a:ext>
-            <a:ext uri="{AF507438-7753-43E0-B8FC-AC1667EBCBE1}">
-              <a14:hiddenEffects xmlns:a14="http://schemas.microsoft.com/office/drawing/2010/main">
-                <a:effectLst>
-                  <a:outerShdw dist="35921" dir="2700000" algn="ctr" rotWithShape="0">
-                    <a:schemeClr val="bg2"/>
-                  </a:outerShdw>
-                </a:effectLst>
-              </a14:hiddenEffects>
-            </a:ext>
-          </a:extLst>
         </p:spPr>
       </p:pic>
+      <p:sp>
+        <p:nvSpPr>
+          <p:cNvPr id="6" name="内容占位符 2"/>
+          <p:cNvSpPr txBox="1">
+            <a:spLocks/>
+          </p:cNvSpPr>
+          <p:nvPr/>
+        </p:nvSpPr>
+        <p:spPr>
+          <a:xfrm>
+            <a:off x="539552" y="4077072"/>
+            <a:ext cx="8229600" cy="2049091"/>
+          </a:xfrm>
+          <a:prstGeom prst="rect">
+            <a:avLst/>
+          </a:prstGeom>
+        </p:spPr>
+        <p:txBody>
+          <a:bodyPr vert="horz" lIns="91440" tIns="45720" rIns="91440" bIns="45720" rtlCol="0">
+            <a:normAutofit fontScale="77500" lnSpcReduction="20000"/>
+          </a:bodyPr>
+          <a:lstStyle>
+            <a:lvl1pPr marL="342900" indent="-342900" algn="l" defTabSz="914400" rtl="0" eaLnBrk="1" latinLnBrk="0" hangingPunct="1">
+              <a:spcBef>
+                <a:spcPct val="20000"/>
+              </a:spcBef>
+              <a:buFont typeface="Arial" pitchFamily="34" charset="0"/>
+              <a:buChar char="•"/>
+              <a:defRPr sz="3200" kern="1200">
+                <a:solidFill>
+                  <a:schemeClr val="tx1"/>
+                </a:solidFill>
+                <a:latin typeface="+mn-lt"/>
+                <a:ea typeface="+mn-ea"/>
+                <a:cs typeface="+mn-cs"/>
+              </a:defRPr>
+            </a:lvl1pPr>
+            <a:lvl2pPr marL="742950" indent="-285750" algn="l" defTabSz="914400" rtl="0" eaLnBrk="1" latinLnBrk="0" hangingPunct="1">
+              <a:spcBef>
+                <a:spcPct val="20000"/>
+              </a:spcBef>
+              <a:buFont typeface="Arial" pitchFamily="34" charset="0"/>
+              <a:buChar char="–"/>
+              <a:defRPr sz="2800" kern="1200">
+                <a:solidFill>
+                  <a:schemeClr val="tx1"/>
+                </a:solidFill>
+                <a:latin typeface="+mn-lt"/>
+                <a:ea typeface="+mn-ea"/>
+                <a:cs typeface="+mn-cs"/>
+              </a:defRPr>
+            </a:lvl2pPr>
+            <a:lvl3pPr marL="1143000" indent="-228600" algn="l" defTabSz="914400" rtl="0" eaLnBrk="1" latinLnBrk="0" hangingPunct="1">
+              <a:spcBef>
+                <a:spcPct val="20000"/>
+              </a:spcBef>
+              <a:buFont typeface="Arial" pitchFamily="34" charset="0"/>
+              <a:buChar char="•"/>
+              <a:defRPr sz="2400" kern="1200">
+                <a:solidFill>
+                  <a:schemeClr val="tx1"/>
+                </a:solidFill>
+                <a:latin typeface="+mn-lt"/>
+                <a:ea typeface="+mn-ea"/>
+                <a:cs typeface="+mn-cs"/>
+              </a:defRPr>
+            </a:lvl3pPr>
+            <a:lvl4pPr marL="1600200" indent="-228600" algn="l" defTabSz="914400" rtl="0" eaLnBrk="1" latinLnBrk="0" hangingPunct="1">
+              <a:spcBef>
+                <a:spcPct val="20000"/>
+              </a:spcBef>
+              <a:buFont typeface="Arial" pitchFamily="34" charset="0"/>
+              <a:buChar char="–"/>
+              <a:defRPr sz="2000" kern="1200">
+                <a:solidFill>
+                  <a:schemeClr val="tx1"/>
+                </a:solidFill>
+                <a:latin typeface="+mn-lt"/>
+                <a:ea typeface="+mn-ea"/>
+                <a:cs typeface="+mn-cs"/>
+              </a:defRPr>
+            </a:lvl4pPr>
+            <a:lvl5pPr marL="2057400" indent="-228600" algn="l" defTabSz="914400" rtl="0" eaLnBrk="1" latinLnBrk="0" hangingPunct="1">
+              <a:spcBef>
+                <a:spcPct val="20000"/>
+              </a:spcBef>
+              <a:buFont typeface="Arial" pitchFamily="34" charset="0"/>
+              <a:buChar char="»"/>
+              <a:defRPr sz="2000" kern="1200">
+                <a:solidFill>
+                  <a:schemeClr val="tx1"/>
+                </a:solidFill>
+                <a:latin typeface="+mn-lt"/>
+                <a:ea typeface="+mn-ea"/>
+                <a:cs typeface="+mn-cs"/>
+              </a:defRPr>
+            </a:lvl5pPr>
+            <a:lvl6pPr marL="2514600" indent="-228600" algn="l" defTabSz="914400" rtl="0" eaLnBrk="1" latinLnBrk="0" hangingPunct="1">
+              <a:spcBef>
+                <a:spcPct val="20000"/>
+              </a:spcBef>
+              <a:buFont typeface="Arial" pitchFamily="34" charset="0"/>
+              <a:buChar char="•"/>
+              <a:defRPr sz="2000" kern="1200">
+                <a:solidFill>
+                  <a:schemeClr val="tx1"/>
+                </a:solidFill>
+                <a:latin typeface="+mn-lt"/>
+                <a:ea typeface="+mn-ea"/>
+                <a:cs typeface="+mn-cs"/>
+              </a:defRPr>
+            </a:lvl6pPr>
+            <a:lvl7pPr marL="2971800" indent="-228600" algn="l" defTabSz="914400" rtl="0" eaLnBrk="1" latinLnBrk="0" hangingPunct="1">
+              <a:spcBef>
+                <a:spcPct val="20000"/>
+              </a:spcBef>
+              <a:buFont typeface="Arial" pitchFamily="34" charset="0"/>
+              <a:buChar char="•"/>
+              <a:defRPr sz="2000" kern="1200">
+                <a:solidFill>
+                  <a:schemeClr val="tx1"/>
+                </a:solidFill>
+                <a:latin typeface="+mn-lt"/>
+                <a:ea typeface="+mn-ea"/>
+                <a:cs typeface="+mn-cs"/>
+              </a:defRPr>
+            </a:lvl7pPr>
+            <a:lvl8pPr marL="3429000" indent="-228600" algn="l" defTabSz="914400" rtl="0" eaLnBrk="1" latinLnBrk="0" hangingPunct="1">
+              <a:spcBef>
+                <a:spcPct val="20000"/>
+              </a:spcBef>
+              <a:buFont typeface="Arial" pitchFamily="34" charset="0"/>
+              <a:buChar char="•"/>
+              <a:defRPr sz="2000" kern="1200">
+                <a:solidFill>
+                  <a:schemeClr val="tx1"/>
+                </a:solidFill>
+                <a:latin typeface="+mn-lt"/>
+                <a:ea typeface="+mn-ea"/>
+                <a:cs typeface="+mn-cs"/>
+              </a:defRPr>
+            </a:lvl8pPr>
+            <a:lvl9pPr marL="3886200" indent="-228600" algn="l" defTabSz="914400" rtl="0" eaLnBrk="1" latinLnBrk="0" hangingPunct="1">
+              <a:spcBef>
+                <a:spcPct val="20000"/>
+              </a:spcBef>
+              <a:buFont typeface="Arial" pitchFamily="34" charset="0"/>
+              <a:buChar char="•"/>
+              <a:defRPr sz="2000" kern="1200">
+                <a:solidFill>
+                  <a:schemeClr val="tx1"/>
+                </a:solidFill>
+                <a:latin typeface="+mn-lt"/>
+                <a:ea typeface="+mn-ea"/>
+                <a:cs typeface="+mn-cs"/>
+              </a:defRPr>
+            </a:lvl9pPr>
+          </a:lstStyle>
+          <a:p>
+            <a:r>
+              <a:rPr lang="zh-CN" altLang="en-US" dirty="0"/>
+              <a:t>分配方式</a:t>
+            </a:r>
+            <a:endParaRPr lang="en-US" altLang="zh-CN" dirty="0"/>
+          </a:p>
+          <a:p>
+            <a:pPr lvl="1"/>
+            <a:r>
+              <a:rPr lang="zh-CN" altLang="en-US" dirty="0"/>
+              <a:t>空闲内存是否足够，如果足够的话，直接在空闲内存中分配，</a:t>
+            </a:r>
+            <a:endParaRPr lang="en-US" altLang="zh-CN" dirty="0"/>
+          </a:p>
+          <a:p>
+            <a:pPr lvl="1"/>
+            <a:r>
+              <a:rPr lang="zh-CN" altLang="en-US" dirty="0"/>
+              <a:t>否则</a:t>
+            </a:r>
+            <a:r>
+              <a:rPr lang="en-US" altLang="zh-CN" dirty="0"/>
+              <a:t>mono</a:t>
+            </a:r>
+            <a:r>
+              <a:rPr lang="zh-CN" altLang="en-US" dirty="0"/>
+              <a:t>会进行一</a:t>
+            </a:r>
+            <a:r>
+              <a:rPr lang="zh-CN" altLang="en-US" sz="3200" dirty="0"/>
+              <a:t>次</a:t>
+            </a:r>
+            <a:r>
+              <a:rPr lang="en-US" altLang="zh-CN" dirty="0"/>
+              <a:t>GC</a:t>
+            </a:r>
+            <a:r>
+              <a:rPr lang="zh-CN" altLang="en-US" dirty="0"/>
+              <a:t>以释放更多的空闲</a:t>
+            </a:r>
+            <a:r>
+              <a:rPr lang="zh-CN" altLang="en-US" dirty="0" smtClean="0"/>
+              <a:t>内存</a:t>
+            </a:r>
+            <a:endParaRPr lang="en-US" altLang="zh-CN" dirty="0"/>
+          </a:p>
+          <a:p>
+            <a:pPr lvl="1"/>
+            <a:r>
+              <a:rPr lang="zh-CN" altLang="en-US" dirty="0"/>
+              <a:t>如果</a:t>
+            </a:r>
+            <a:r>
+              <a:rPr lang="en-US" altLang="zh-CN" dirty="0"/>
+              <a:t>GC</a:t>
+            </a:r>
+            <a:r>
+              <a:rPr lang="zh-CN" altLang="en-US" dirty="0"/>
+              <a:t>之后仍然没有足够的空闲内存，则</a:t>
+            </a:r>
+            <a:r>
+              <a:rPr lang="en-US" altLang="zh-CN" dirty="0"/>
+              <a:t>mono</a:t>
+            </a:r>
+            <a:r>
+              <a:rPr lang="zh-CN" altLang="en-US" dirty="0"/>
+              <a:t>会向操作系统申请内存，并扩充堆内存</a:t>
+            </a:r>
+            <a:endParaRPr lang="en-US" altLang="zh-CN" dirty="0"/>
+          </a:p>
+        </p:txBody>
+      </p:sp>
     </p:spTree>
     <p:extLst>
       <p:ext uri="{BB962C8B-B14F-4D97-AF65-F5344CB8AC3E}">
-        <p14:creationId xmlns:p14="http://schemas.microsoft.com/office/powerpoint/2010/main" val="1424885186"/>
+        <p14:creationId xmlns:p14="http://schemas.microsoft.com/office/powerpoint/2010/main" val="3436892012"/>
       </p:ext>
     </p:extLst>
   </p:cSld>
   <p:clrMapOvr>
     <a:masterClrMapping/>
   </p:clrMapOvr>
-  <p:timing>
-    <p:tnLst>
-      <p:par>
-        <p:cTn id="1" dur="indefinite" restart="never" nodeType="tmRoot"/>
-      </p:par>
-    </p:tnLst>
-  </p:timing>
 </p:sld>
 </file>
 
@@ -7782,8 +8353,8 @@
           <a:lstStyle/>
           <a:p>
             <a:r>
-              <a:rPr lang="en-US" altLang="zh-CN" dirty="0"/>
-              <a:t>Unity Profiler</a:t>
+              <a:rPr lang="zh-CN" altLang="en-US" dirty="0" smtClean="0"/>
+              <a:t>获取内存的方式</a:t>
             </a:r>
             <a:endParaRPr lang="zh-CN" altLang="en-US" dirty="0"/>
           </a:p>
@@ -7799,122 +8370,79 @@
             <p:ph idx="1"/>
           </p:nvPr>
         </p:nvSpPr>
-        <p:spPr>
-          <a:xfrm>
-            <a:off x="662880" y="2996952"/>
-            <a:ext cx="8229600" cy="2592287"/>
-          </a:xfrm>
-        </p:spPr>
+        <p:spPr/>
         <p:txBody>
           <a:bodyPr/>
           <a:lstStyle/>
           <a:p>
             <a:r>
-              <a:rPr lang="en-US" altLang="zh-CN" dirty="0" smtClean="0"/>
-              <a:t>Editor</a:t>
-            </a:r>
-            <a:r>
               <a:rPr lang="zh-CN" altLang="en-US" dirty="0" smtClean="0"/>
-              <a:t>：选择</a:t>
-            </a:r>
-            <a:r>
-              <a:rPr lang="en-US" altLang="zh-CN" dirty="0" smtClean="0"/>
-              <a:t>Editor</a:t>
+              <a:t>已有软件（</a:t>
+            </a:r>
+            <a:r>
+              <a:rPr lang="en-US" altLang="zh-CN" dirty="0" err="1" smtClean="0"/>
+              <a:t>Emmagee</a:t>
             </a:r>
             <a:r>
               <a:rPr lang="zh-CN" altLang="en-US" dirty="0" smtClean="0"/>
-              <a:t>直接运行</a:t>
+              <a:t>、</a:t>
+            </a:r>
+            <a:r>
+              <a:rPr lang="en-US" altLang="zh-CN" dirty="0" err="1" smtClean="0"/>
+              <a:t>WeTest</a:t>
+            </a:r>
+            <a:r>
+              <a:rPr lang="zh-CN" altLang="en-US" dirty="0" smtClean="0"/>
+              <a:t>等）</a:t>
             </a:r>
             <a:endParaRPr lang="en-US" altLang="zh-CN" dirty="0" smtClean="0"/>
           </a:p>
           <a:p>
-            <a:r>
-              <a:rPr lang="en-US" altLang="zh-CN" dirty="0" smtClean="0"/>
-              <a:t>Android</a:t>
-            </a:r>
-            <a:r>
-              <a:rPr lang="zh-CN" altLang="en-US" dirty="0" smtClean="0"/>
-              <a:t>：</a:t>
-            </a:r>
             <a:r>
               <a:rPr lang="en-US" altLang="zh-CN" dirty="0" smtClean="0"/>
               <a:t>ADB</a:t>
             </a:r>
             <a:r>
               <a:rPr lang="zh-CN" altLang="en-US" dirty="0" smtClean="0"/>
-              <a:t>方式</a:t>
+              <a:t>（</a:t>
+            </a:r>
+            <a:r>
+              <a:rPr lang="en-US" altLang="zh-CN" dirty="0" smtClean="0"/>
+              <a:t>Android </a:t>
+            </a:r>
+            <a:r>
+              <a:rPr lang="en-US" altLang="zh-CN" dirty="0" err="1" smtClean="0"/>
+              <a:t>Dubug</a:t>
+            </a:r>
+            <a:r>
+              <a:rPr lang="en-US" altLang="zh-CN" dirty="0" smtClean="0"/>
+              <a:t> Bridge</a:t>
+            </a:r>
+            <a:r>
+              <a:rPr lang="zh-CN" altLang="en-US" dirty="0" smtClean="0"/>
+              <a:t>）</a:t>
             </a:r>
             <a:endParaRPr lang="en-US" altLang="zh-CN" dirty="0" smtClean="0"/>
           </a:p>
           <a:p>
             <a:r>
-              <a:rPr lang="en-US" altLang="zh-CN" dirty="0" err="1"/>
-              <a:t>ios</a:t>
-            </a:r>
-            <a:r>
-              <a:rPr lang="zh-CN" altLang="en-US" dirty="0" smtClean="0"/>
-              <a:t>：插入设备后选择相应的设备直接运行</a:t>
-            </a:r>
-            <a:endParaRPr lang="en-US" altLang="zh-CN" dirty="0" smtClean="0"/>
-          </a:p>
-          <a:p>
-            <a:r>
               <a:rPr lang="en-US" altLang="zh-CN" dirty="0" smtClean="0"/>
-              <a:t>IP</a:t>
-            </a:r>
-            <a:r>
-              <a:rPr lang="zh-CN" altLang="en-US" dirty="0" smtClean="0"/>
-              <a:t>：适合无线局域网</a:t>
+              <a:t>IOS Instrument</a:t>
+            </a:r>
+          </a:p>
+          <a:p>
+            <a:r>
+              <a:rPr lang="en-US" altLang="zh-CN" dirty="0" smtClean="0"/>
+              <a:t>Unity Profiler</a:t>
             </a:r>
             <a:endParaRPr lang="zh-CN" altLang="en-US" dirty="0"/>
           </a:p>
         </p:txBody>
       </p:sp>
-      <p:pic>
-        <p:nvPicPr>
-          <p:cNvPr id="3074" name="Picture 2" descr="D:\WorkingFiles\内存管理\profiler.png"/>
-          <p:cNvPicPr>
-            <a:picLocks noChangeAspect="1" noChangeArrowheads="1"/>
-          </p:cNvPicPr>
-          <p:nvPr/>
-        </p:nvPicPr>
-        <p:blipFill>
-          <a:blip r:embed="rId2">
-            <a:extLst>
-              <a:ext uri="{28A0092B-C50C-407E-A947-70E740481C1C}">
-                <a14:useLocalDpi xmlns:a14="http://schemas.microsoft.com/office/drawing/2010/main" val="0"/>
-              </a:ext>
-            </a:extLst>
-          </a:blip>
-          <a:srcRect/>
-          <a:stretch>
-            <a:fillRect/>
-          </a:stretch>
-        </p:blipFill>
-        <p:spPr bwMode="auto">
-          <a:xfrm>
-            <a:off x="1979712" y="1337320"/>
-            <a:ext cx="4981575" cy="1371600"/>
-          </a:xfrm>
-          <a:prstGeom prst="rect">
-            <a:avLst/>
-          </a:prstGeom>
-          <a:noFill/>
-          <a:extLst>
-            <a:ext uri="{909E8E84-426E-40DD-AFC4-6F175D3DCCD1}">
-              <a14:hiddenFill xmlns:a14="http://schemas.microsoft.com/office/drawing/2010/main">
-                <a:solidFill>
-                  <a:srgbClr val="FFFFFF"/>
-                </a:solidFill>
-              </a14:hiddenFill>
-            </a:ext>
-          </a:extLst>
-        </p:spPr>
-      </p:pic>
     </p:spTree>
     <p:extLst>
       <p:ext uri="{BB962C8B-B14F-4D97-AF65-F5344CB8AC3E}">
-        <p14:creationId xmlns:p14="http://schemas.microsoft.com/office/powerpoint/2010/main" val="1459053425"/>
+        <p14:creationId xmlns:p14="http://schemas.microsoft.com/office/powerpoint/2010/main" val="1089717851"/>
       </p:ext>
     </p:extLst>
   </p:cSld>
